--- a/Lecture Slides/VideoLectureSlides/11.1.pptx
+++ b/Lecture Slides/VideoLectureSlides/11.1.pptx
@@ -5,22 +5,17 @@
     <p:sldMasterId id="2147483660" r:id="rId4"/>
   </p:sldMasterIdLst>
   <p:notesMasterIdLst>
-    <p:notesMasterId r:id="rId18"/>
+    <p:notesMasterId r:id="rId13"/>
   </p:notesMasterIdLst>
   <p:sldIdLst>
     <p:sldId id="256" r:id="rId5"/>
     <p:sldId id="257" r:id="rId6"/>
     <p:sldId id="258" r:id="rId7"/>
-    <p:sldId id="259" r:id="rId8"/>
-    <p:sldId id="288" r:id="rId9"/>
-    <p:sldId id="264" r:id="rId10"/>
-    <p:sldId id="268" r:id="rId11"/>
+    <p:sldId id="290" r:id="rId8"/>
+    <p:sldId id="289" r:id="rId9"/>
+    <p:sldId id="288" r:id="rId10"/>
+    <p:sldId id="264" r:id="rId11"/>
     <p:sldId id="287" r:id="rId12"/>
-    <p:sldId id="261" r:id="rId13"/>
-    <p:sldId id="262" r:id="rId14"/>
-    <p:sldId id="263" r:id="rId15"/>
-    <p:sldId id="265" r:id="rId16"/>
-    <p:sldId id="266" r:id="rId17"/>
   </p:sldIdLst>
   <p:sldSz cx="9144000" cy="6858000" type="screen4x3"/>
   <p:notesSz cx="6858000" cy="9144000"/>
@@ -234,7 +229,7 @@
           <a:p>
             <a:fld id="{1AA1AB63-216F-4D5B-8811-CCB935E98D4A}" type="datetimeFigureOut">
               <a:rPr lang="en-US" smtClean="0"/>
-              <a:t>12/30/2020</a:t>
+              <a:t>7/25/2023</a:t>
             </a:fld>
             <a:endParaRPr lang="en-US" dirty="0"/>
           </a:p>
@@ -3822,1587 +3817,6 @@
 </p:sld>
 </file>
 
-<file path=ppt/slides/slide10.xml><?xml version="1.0" encoding="utf-8"?>
-<p:sld xmlns:a="http://schemas.openxmlformats.org/drawingml/2006/main" xmlns:r="http://schemas.openxmlformats.org/officeDocument/2006/relationships" xmlns:p="http://schemas.openxmlformats.org/presentationml/2006/main">
-  <p:cSld>
-    <p:spTree>
-      <p:nvGrpSpPr>
-        <p:cNvPr id="1" name=""/>
-        <p:cNvGrpSpPr/>
-        <p:nvPr/>
-      </p:nvGrpSpPr>
-      <p:grpSpPr>
-        <a:xfrm>
-          <a:off x="0" y="0"/>
-          <a:ext cx="0" cy="0"/>
-          <a:chOff x="0" y="0"/>
-          <a:chExt cx="0" cy="0"/>
-        </a:xfrm>
-      </p:grpSpPr>
-      <p:sp>
-        <p:nvSpPr>
-          <p:cNvPr id="2" name="Title 1"/>
-          <p:cNvSpPr>
-            <a:spLocks noGrp="1"/>
-          </p:cNvSpPr>
-          <p:nvPr>
-            <p:ph type="title"/>
-          </p:nvPr>
-        </p:nvSpPr>
-        <p:spPr/>
-        <p:txBody>
-          <a:bodyPr>
-            <a:normAutofit/>
-          </a:bodyPr>
-          <a:lstStyle/>
-          <a:p>
-            <a:r>
-              <a:rPr lang="en-US" dirty="0"/>
-              <a:t>Worked Example</a:t>
-            </a:r>
-          </a:p>
-        </p:txBody>
-      </p:sp>
-      <p:sp>
-        <p:nvSpPr>
-          <p:cNvPr id="3" name="Content Placeholder 2"/>
-          <p:cNvSpPr>
-            <a:spLocks noGrp="1"/>
-          </p:cNvSpPr>
-          <p:nvPr>
-            <p:ph idx="1"/>
-          </p:nvPr>
-        </p:nvSpPr>
-        <p:spPr>
-          <a:xfrm>
-            <a:off x="457200" y="1600201"/>
-            <a:ext cx="8001000" cy="2124074"/>
-          </a:xfrm>
-        </p:spPr>
-        <p:txBody>
-          <a:bodyPr>
-            <a:normAutofit fontScale="85000" lnSpcReduction="20000"/>
-          </a:bodyPr>
-          <a:lstStyle/>
-          <a:p>
-            <a:r>
-              <a:rPr lang="en-US" dirty="0"/>
-              <a:t>A plane with a mass of 80,000 kg is traveling a velocity of 200 meters per second when the engines cut out. 20 seconds later, it’s noticed that the velocity has dropped to 190 m/s. Assuming the plane is not gaining or losing altitude, what is the average drag force on the plane?</a:t>
-            </a:r>
-          </a:p>
-        </p:txBody>
-      </p:sp>
-      <p:sp>
-        <p:nvSpPr>
-          <p:cNvPr id="4" name="Slide Number Placeholder 3"/>
-          <p:cNvSpPr>
-            <a:spLocks noGrp="1"/>
-          </p:cNvSpPr>
-          <p:nvPr>
-            <p:ph type="sldNum" sz="quarter" idx="12"/>
-          </p:nvPr>
-        </p:nvSpPr>
-        <p:spPr/>
-        <p:txBody>
-          <a:bodyPr/>
-          <a:lstStyle/>
-          <a:p>
-            <a:fld id="{929262FE-7F58-4A1E-8AF3-5A510A86DEBD}" type="slidenum">
-              <a:rPr lang="en-US" smtClean="0"/>
-              <a:t>10</a:t>
-            </a:fld>
-            <a:endParaRPr lang="en-US"/>
-          </a:p>
-        </p:txBody>
-      </p:sp>
-      <p:pic>
-        <p:nvPicPr>
-          <p:cNvPr id="5" name="Picture 2" descr="Airplane In The Sky">
-            <a:extLst>
-              <a:ext uri="{FF2B5EF4-FFF2-40B4-BE49-F238E27FC236}">
-                <a16:creationId xmlns:a16="http://schemas.microsoft.com/office/drawing/2014/main" id="{5AA166D0-D038-49BE-865F-36EF38D0A9A9}"/>
-              </a:ext>
-            </a:extLst>
-          </p:cNvPr>
-          <p:cNvPicPr>
-            <a:picLocks noChangeAspect="1" noChangeArrowheads="1"/>
-          </p:cNvPicPr>
-          <p:nvPr/>
-        </p:nvPicPr>
-        <p:blipFill>
-          <a:blip r:embed="rId2" cstate="print">
-            <a:extLst>
-              <a:ext uri="{28A0092B-C50C-407E-A947-70E740481C1C}">
-                <a14:useLocalDpi xmlns:a14="http://schemas.microsoft.com/office/drawing/2010/main" val="0"/>
-              </a:ext>
-            </a:extLst>
-          </a:blip>
-          <a:srcRect/>
-          <a:stretch>
-            <a:fillRect/>
-          </a:stretch>
-        </p:blipFill>
-        <p:spPr bwMode="auto">
-          <a:xfrm>
-            <a:off x="2590801" y="3810000"/>
-            <a:ext cx="4495800" cy="2997200"/>
-          </a:xfrm>
-          <a:prstGeom prst="rect">
-            <a:avLst/>
-          </a:prstGeom>
-          <a:noFill/>
-          <a:extLst>
-            <a:ext uri="{909E8E84-426E-40DD-AFC4-6F175D3DCCD1}">
-              <a14:hiddenFill xmlns:a14="http://schemas.microsoft.com/office/drawing/2010/main">
-                <a:solidFill>
-                  <a:srgbClr val="FFFFFF"/>
-                </a:solidFill>
-              </a14:hiddenFill>
-            </a:ext>
-          </a:extLst>
-        </p:spPr>
-      </p:pic>
-    </p:spTree>
-    <p:extLst>
-      <p:ext uri="{BB962C8B-B14F-4D97-AF65-F5344CB8AC3E}">
-        <p14:creationId xmlns:p14="http://schemas.microsoft.com/office/powerpoint/2010/main" val="3883364452"/>
-      </p:ext>
-    </p:extLst>
-  </p:cSld>
-  <p:clrMapOvr>
-    <a:masterClrMapping/>
-  </p:clrMapOvr>
-</p:sld>
-</file>
-
-<file path=ppt/slides/slide11.xml><?xml version="1.0" encoding="utf-8"?>
-<p:sld xmlns:a="http://schemas.openxmlformats.org/drawingml/2006/main" xmlns:r="http://schemas.openxmlformats.org/officeDocument/2006/relationships" xmlns:p="http://schemas.openxmlformats.org/presentationml/2006/main">
-  <p:cSld>
-    <p:spTree>
-      <p:nvGrpSpPr>
-        <p:cNvPr id="1" name=""/>
-        <p:cNvGrpSpPr/>
-        <p:nvPr/>
-      </p:nvGrpSpPr>
-      <p:grpSpPr>
-        <a:xfrm>
-          <a:off x="0" y="0"/>
-          <a:ext cx="0" cy="0"/>
-          <a:chOff x="0" y="0"/>
-          <a:chExt cx="0" cy="0"/>
-        </a:xfrm>
-      </p:grpSpPr>
-      <p:sp>
-        <p:nvSpPr>
-          <p:cNvPr id="2" name="Title 1"/>
-          <p:cNvSpPr>
-            <a:spLocks noGrp="1"/>
-          </p:cNvSpPr>
-          <p:nvPr>
-            <p:ph type="title"/>
-          </p:nvPr>
-        </p:nvSpPr>
-        <p:spPr/>
-        <p:txBody>
-          <a:bodyPr>
-            <a:normAutofit/>
-          </a:bodyPr>
-          <a:lstStyle/>
-          <a:p>
-            <a:r>
-              <a:rPr lang="en-US" dirty="0"/>
-              <a:t>Worked Example</a:t>
-            </a:r>
-          </a:p>
-        </p:txBody>
-      </p:sp>
-      <p:sp>
-        <p:nvSpPr>
-          <p:cNvPr id="3" name="Content Placeholder 2"/>
-          <p:cNvSpPr>
-            <a:spLocks noGrp="1"/>
-          </p:cNvSpPr>
-          <p:nvPr>
-            <p:ph idx="1"/>
-          </p:nvPr>
-        </p:nvSpPr>
-        <p:spPr>
-          <a:xfrm>
-            <a:off x="457200" y="1600201"/>
-            <a:ext cx="8229600" cy="2286000"/>
-          </a:xfrm>
-        </p:spPr>
-        <p:txBody>
-          <a:bodyPr>
-            <a:normAutofit fontScale="85000" lnSpcReduction="10000"/>
-          </a:bodyPr>
-          <a:lstStyle/>
-          <a:p>
-            <a:r>
-              <a:rPr lang="en-US" dirty="0"/>
-              <a:t>The plot below shows the thrust generated by the engine on a jet fighter (2500 kg) over ten seconds.  If the plane is starting from rest on a runway and friction and drag are negligible, determine the speed of the plane at the end of these ten seconds.</a:t>
-            </a:r>
-          </a:p>
-        </p:txBody>
-      </p:sp>
-      <p:sp>
-        <p:nvSpPr>
-          <p:cNvPr id="4" name="Slide Number Placeholder 3"/>
-          <p:cNvSpPr>
-            <a:spLocks noGrp="1"/>
-          </p:cNvSpPr>
-          <p:nvPr>
-            <p:ph type="sldNum" sz="quarter" idx="12"/>
-          </p:nvPr>
-        </p:nvSpPr>
-        <p:spPr/>
-        <p:txBody>
-          <a:bodyPr/>
-          <a:lstStyle/>
-          <a:p>
-            <a:fld id="{929262FE-7F58-4A1E-8AF3-5A510A86DEBD}" type="slidenum">
-              <a:rPr lang="en-US" smtClean="0"/>
-              <a:t>11</a:t>
-            </a:fld>
-            <a:endParaRPr lang="en-US"/>
-          </a:p>
-        </p:txBody>
-      </p:sp>
-      <p:sp>
-        <p:nvSpPr>
-          <p:cNvPr id="7" name="Rectangle 6">
-            <a:extLst>
-              <a:ext uri="{FF2B5EF4-FFF2-40B4-BE49-F238E27FC236}">
-                <a16:creationId xmlns:a16="http://schemas.microsoft.com/office/drawing/2014/main" id="{25E7E060-92B7-4F60-B056-EA4EDD13C671}"/>
-              </a:ext>
-            </a:extLst>
-          </p:cNvPr>
-          <p:cNvSpPr/>
-          <p:nvPr/>
-        </p:nvSpPr>
-        <p:spPr>
-          <a:xfrm>
-            <a:off x="5255" y="5955141"/>
-            <a:ext cx="1743364" cy="1025275"/>
-          </a:xfrm>
-          <a:prstGeom prst="rect">
-            <a:avLst/>
-          </a:prstGeom>
-          <a:ln>
-            <a:noFill/>
-          </a:ln>
-        </p:spPr>
-        <p:style>
-          <a:lnRef idx="2">
-            <a:schemeClr val="dk1"/>
-          </a:lnRef>
-          <a:fillRef idx="1">
-            <a:schemeClr val="lt1"/>
-          </a:fillRef>
-          <a:effectRef idx="0">
-            <a:schemeClr val="dk1"/>
-          </a:effectRef>
-          <a:fontRef idx="minor">
-            <a:schemeClr val="dk1"/>
-          </a:fontRef>
-        </p:style>
-        <p:txBody>
-          <a:bodyPr rtlCol="0" anchor="ctr"/>
-          <a:lstStyle/>
-          <a:p>
-            <a:pPr algn="ctr"/>
-            <a:endParaRPr lang="en-US"/>
-          </a:p>
-        </p:txBody>
-      </p:sp>
-      <p:cxnSp>
-        <p:nvCxnSpPr>
-          <p:cNvPr id="8" name="Straight Arrow Connector 7">
-            <a:extLst>
-              <a:ext uri="{FF2B5EF4-FFF2-40B4-BE49-F238E27FC236}">
-                <a16:creationId xmlns:a16="http://schemas.microsoft.com/office/drawing/2014/main" id="{647EA0D0-AE54-409B-ABA7-ABD0AE0ABF65}"/>
-              </a:ext>
-            </a:extLst>
-          </p:cNvPr>
-          <p:cNvCxnSpPr>
-            <a:cxnSpLocks/>
-          </p:cNvCxnSpPr>
-          <p:nvPr/>
-        </p:nvCxnSpPr>
-        <p:spPr>
-          <a:xfrm>
-            <a:off x="2134373" y="4038600"/>
-            <a:ext cx="0" cy="2590800"/>
-          </a:xfrm>
-          <a:prstGeom prst="straightConnector1">
-            <a:avLst/>
-          </a:prstGeom>
-          <a:ln>
-            <a:headEnd type="triangle"/>
-            <a:tailEnd type="triangle"/>
-          </a:ln>
-        </p:spPr>
-        <p:style>
-          <a:lnRef idx="3">
-            <a:schemeClr val="dk1"/>
-          </a:lnRef>
-          <a:fillRef idx="0">
-            <a:schemeClr val="dk1"/>
-          </a:fillRef>
-          <a:effectRef idx="2">
-            <a:schemeClr val="dk1"/>
-          </a:effectRef>
-          <a:fontRef idx="minor">
-            <a:schemeClr val="tx1"/>
-          </a:fontRef>
-        </p:style>
-      </p:cxnSp>
-      <p:cxnSp>
-        <p:nvCxnSpPr>
-          <p:cNvPr id="9" name="Straight Arrow Connector 8">
-            <a:extLst>
-              <a:ext uri="{FF2B5EF4-FFF2-40B4-BE49-F238E27FC236}">
-                <a16:creationId xmlns:a16="http://schemas.microsoft.com/office/drawing/2014/main" id="{D7A2F726-A3D1-42E4-B758-1A91CFB8BFE6}"/>
-              </a:ext>
-            </a:extLst>
-          </p:cNvPr>
-          <p:cNvCxnSpPr/>
-          <p:nvPr/>
-        </p:nvCxnSpPr>
-        <p:spPr>
-          <a:xfrm>
-            <a:off x="2134373" y="5943600"/>
-            <a:ext cx="5465618" cy="0"/>
-          </a:xfrm>
-          <a:prstGeom prst="straightConnector1">
-            <a:avLst/>
-          </a:prstGeom>
-          <a:ln>
-            <a:tailEnd type="triangle"/>
-          </a:ln>
-        </p:spPr>
-        <p:style>
-          <a:lnRef idx="3">
-            <a:schemeClr val="dk1"/>
-          </a:lnRef>
-          <a:fillRef idx="0">
-            <a:schemeClr val="dk1"/>
-          </a:fillRef>
-          <a:effectRef idx="2">
-            <a:schemeClr val="dk1"/>
-          </a:effectRef>
-          <a:fontRef idx="minor">
-            <a:schemeClr val="tx1"/>
-          </a:fontRef>
-        </p:style>
-      </p:cxnSp>
-      <p:sp>
-        <p:nvSpPr>
-          <p:cNvPr id="10" name="TextBox 9">
-            <a:extLst>
-              <a:ext uri="{FF2B5EF4-FFF2-40B4-BE49-F238E27FC236}">
-                <a16:creationId xmlns:a16="http://schemas.microsoft.com/office/drawing/2014/main" id="{328E6C51-B16E-4D6C-BEF6-2FD19462EF2A}"/>
-              </a:ext>
-            </a:extLst>
-          </p:cNvPr>
-          <p:cNvSpPr txBox="1"/>
-          <p:nvPr/>
-        </p:nvSpPr>
-        <p:spPr>
-          <a:xfrm>
-            <a:off x="1292434" y="4897350"/>
-            <a:ext cx="572464" cy="507831"/>
-          </a:xfrm>
-          <a:prstGeom prst="rect">
-            <a:avLst/>
-          </a:prstGeom>
-          <a:noFill/>
-        </p:spPr>
-        <p:txBody>
-          <a:bodyPr wrap="none" rtlCol="0">
-            <a:spAutoFit/>
-          </a:bodyPr>
-          <a:lstStyle/>
-          <a:p>
-            <a:pPr algn="ctr" defTabSz="685800"/>
-            <a:r>
-              <a:rPr lang="en-US" sz="1350" dirty="0">
-                <a:solidFill>
-                  <a:prstClr val="black"/>
-                </a:solidFill>
-              </a:rPr>
-              <a:t>Force</a:t>
-            </a:r>
-          </a:p>
-          <a:p>
-            <a:pPr algn="ctr" defTabSz="685800"/>
-            <a:r>
-              <a:rPr lang="en-US" sz="1350" dirty="0">
-                <a:solidFill>
-                  <a:prstClr val="black"/>
-                </a:solidFill>
-              </a:rPr>
-              <a:t>(kN)</a:t>
-            </a:r>
-          </a:p>
-        </p:txBody>
-      </p:sp>
-      <p:sp>
-        <p:nvSpPr>
-          <p:cNvPr id="11" name="TextBox 10">
-            <a:extLst>
-              <a:ext uri="{FF2B5EF4-FFF2-40B4-BE49-F238E27FC236}">
-                <a16:creationId xmlns:a16="http://schemas.microsoft.com/office/drawing/2014/main" id="{82FC69FB-33E6-4803-9C6F-C2E56C0CBD50}"/>
-              </a:ext>
-            </a:extLst>
-          </p:cNvPr>
-          <p:cNvSpPr txBox="1"/>
-          <p:nvPr/>
-        </p:nvSpPr>
-        <p:spPr>
-          <a:xfrm>
-            <a:off x="7576507" y="5701226"/>
-            <a:ext cx="534121" cy="507831"/>
-          </a:xfrm>
-          <a:prstGeom prst="rect">
-            <a:avLst/>
-          </a:prstGeom>
-          <a:noFill/>
-        </p:spPr>
-        <p:txBody>
-          <a:bodyPr wrap="none" rtlCol="0">
-            <a:spAutoFit/>
-          </a:bodyPr>
-          <a:lstStyle/>
-          <a:p>
-            <a:pPr algn="ctr" defTabSz="685800"/>
-            <a:r>
-              <a:rPr lang="en-US" sz="1350" dirty="0">
-                <a:solidFill>
-                  <a:prstClr val="black"/>
-                </a:solidFill>
-                <a:latin typeface="Calibri" panose="020F0502020204030204"/>
-              </a:rPr>
-              <a:t>Time</a:t>
-            </a:r>
-          </a:p>
-          <a:p>
-            <a:pPr algn="ctr" defTabSz="685800"/>
-            <a:r>
-              <a:rPr lang="en-US" sz="1350" dirty="0">
-                <a:solidFill>
-                  <a:prstClr val="black"/>
-                </a:solidFill>
-                <a:latin typeface="Calibri" panose="020F0502020204030204"/>
-              </a:rPr>
-              <a:t>(s)</a:t>
-            </a:r>
-          </a:p>
-        </p:txBody>
-      </p:sp>
-      <p:cxnSp>
-        <p:nvCxnSpPr>
-          <p:cNvPr id="12" name="Straight Connector 11">
-            <a:extLst>
-              <a:ext uri="{FF2B5EF4-FFF2-40B4-BE49-F238E27FC236}">
-                <a16:creationId xmlns:a16="http://schemas.microsoft.com/office/drawing/2014/main" id="{846DF247-2985-4F71-AD1A-31CA6384FCFD}"/>
-              </a:ext>
-            </a:extLst>
-          </p:cNvPr>
-          <p:cNvCxnSpPr>
-            <a:cxnSpLocks/>
-          </p:cNvCxnSpPr>
-          <p:nvPr/>
-        </p:nvCxnSpPr>
-        <p:spPr>
-          <a:xfrm flipH="1" flipV="1">
-            <a:off x="3679825" y="4565092"/>
-            <a:ext cx="2923839" cy="0"/>
-          </a:xfrm>
-          <a:prstGeom prst="line">
-            <a:avLst/>
-          </a:prstGeom>
-          <a:ln w="38100">
-            <a:solidFill>
-              <a:srgbClr val="FF0000"/>
-            </a:solidFill>
-          </a:ln>
-        </p:spPr>
-        <p:style>
-          <a:lnRef idx="3">
-            <a:schemeClr val="dk1"/>
-          </a:lnRef>
-          <a:fillRef idx="0">
-            <a:schemeClr val="dk1"/>
-          </a:fillRef>
-          <a:effectRef idx="2">
-            <a:schemeClr val="dk1"/>
-          </a:effectRef>
-          <a:fontRef idx="minor">
-            <a:schemeClr val="tx1"/>
-          </a:fontRef>
-        </p:style>
-      </p:cxnSp>
-      <p:cxnSp>
-        <p:nvCxnSpPr>
-          <p:cNvPr id="14" name="Straight Connector 13">
-            <a:extLst>
-              <a:ext uri="{FF2B5EF4-FFF2-40B4-BE49-F238E27FC236}">
-                <a16:creationId xmlns:a16="http://schemas.microsoft.com/office/drawing/2014/main" id="{9675842A-058E-4B15-B11A-0399049F6F18}"/>
-              </a:ext>
-            </a:extLst>
-          </p:cNvPr>
-          <p:cNvCxnSpPr>
-            <a:cxnSpLocks/>
-          </p:cNvCxnSpPr>
-          <p:nvPr/>
-        </p:nvCxnSpPr>
-        <p:spPr>
-          <a:xfrm>
-            <a:off x="3645407" y="3909185"/>
-            <a:ext cx="0" cy="2849106"/>
-          </a:xfrm>
-          <a:prstGeom prst="line">
-            <a:avLst/>
-          </a:prstGeom>
-          <a:ln w="9525" cap="flat" cmpd="sng" algn="ctr">
-            <a:solidFill>
-              <a:schemeClr val="accent1"/>
-            </a:solidFill>
-            <a:prstDash val="dash"/>
-            <a:round/>
-            <a:headEnd type="none" w="med" len="med"/>
-            <a:tailEnd type="none" w="med" len="med"/>
-          </a:ln>
-        </p:spPr>
-        <p:style>
-          <a:lnRef idx="0">
-            <a:scrgbClr r="0" g="0" b="0"/>
-          </a:lnRef>
-          <a:fillRef idx="0">
-            <a:scrgbClr r="0" g="0" b="0"/>
-          </a:fillRef>
-          <a:effectRef idx="0">
-            <a:scrgbClr r="0" g="0" b="0"/>
-          </a:effectRef>
-          <a:fontRef idx="minor">
-            <a:schemeClr val="tx1"/>
-          </a:fontRef>
-        </p:style>
-      </p:cxnSp>
-      <p:cxnSp>
-        <p:nvCxnSpPr>
-          <p:cNvPr id="15" name="Straight Connector 14">
-            <a:extLst>
-              <a:ext uri="{FF2B5EF4-FFF2-40B4-BE49-F238E27FC236}">
-                <a16:creationId xmlns:a16="http://schemas.microsoft.com/office/drawing/2014/main" id="{1994D03D-7A98-4927-97E3-25B2A048D3A4}"/>
-              </a:ext>
-            </a:extLst>
-          </p:cNvPr>
-          <p:cNvCxnSpPr>
-            <a:cxnSpLocks/>
-          </p:cNvCxnSpPr>
-          <p:nvPr/>
-        </p:nvCxnSpPr>
-        <p:spPr>
-          <a:xfrm>
-            <a:off x="6595242" y="3852261"/>
-            <a:ext cx="0" cy="2906030"/>
-          </a:xfrm>
-          <a:prstGeom prst="line">
-            <a:avLst/>
-          </a:prstGeom>
-          <a:ln w="9525" cap="flat" cmpd="sng" algn="ctr">
-            <a:solidFill>
-              <a:schemeClr val="accent1"/>
-            </a:solidFill>
-            <a:prstDash val="dash"/>
-            <a:round/>
-            <a:headEnd type="none" w="med" len="med"/>
-            <a:tailEnd type="none" w="med" len="med"/>
-          </a:ln>
-        </p:spPr>
-        <p:style>
-          <a:lnRef idx="0">
-            <a:scrgbClr r="0" g="0" b="0"/>
-          </a:lnRef>
-          <a:fillRef idx="0">
-            <a:scrgbClr r="0" g="0" b="0"/>
-          </a:fillRef>
-          <a:effectRef idx="0">
-            <a:scrgbClr r="0" g="0" b="0"/>
-          </a:effectRef>
-          <a:fontRef idx="minor">
-            <a:schemeClr val="tx1"/>
-          </a:fontRef>
-        </p:style>
-      </p:cxnSp>
-      <p:sp>
-        <p:nvSpPr>
-          <p:cNvPr id="17" name="TextBox 16">
-            <a:extLst>
-              <a:ext uri="{FF2B5EF4-FFF2-40B4-BE49-F238E27FC236}">
-                <a16:creationId xmlns:a16="http://schemas.microsoft.com/office/drawing/2014/main" id="{01AD8D6B-1DFB-4892-BAD5-4A542C3BFE87}"/>
-              </a:ext>
-            </a:extLst>
-          </p:cNvPr>
-          <p:cNvSpPr txBox="1"/>
-          <p:nvPr/>
-        </p:nvSpPr>
-        <p:spPr>
-          <a:xfrm>
-            <a:off x="4811902" y="4157747"/>
-            <a:ext cx="590226" cy="300082"/>
-          </a:xfrm>
-          <a:prstGeom prst="rect">
-            <a:avLst/>
-          </a:prstGeom>
-          <a:noFill/>
-        </p:spPr>
-        <p:txBody>
-          <a:bodyPr wrap="none" rtlCol="0">
-            <a:spAutoFit/>
-          </a:bodyPr>
-          <a:lstStyle/>
-          <a:p>
-            <a:pPr algn="ctr" defTabSz="685800"/>
-            <a:r>
-              <a:rPr lang="en-US" sz="1350" dirty="0">
-                <a:solidFill>
-                  <a:srgbClr val="FF0000"/>
-                </a:solidFill>
-              </a:rPr>
-              <a:t>12 kN</a:t>
-            </a:r>
-            <a:endParaRPr lang="en-US" sz="1350" baseline="30000" dirty="0">
-              <a:solidFill>
-                <a:srgbClr val="FF0000"/>
-              </a:solidFill>
-            </a:endParaRPr>
-          </a:p>
-        </p:txBody>
-      </p:sp>
-      <p:sp>
-        <p:nvSpPr>
-          <p:cNvPr id="18" name="TextBox 17">
-            <a:extLst>
-              <a:ext uri="{FF2B5EF4-FFF2-40B4-BE49-F238E27FC236}">
-                <a16:creationId xmlns:a16="http://schemas.microsoft.com/office/drawing/2014/main" id="{0507E9FB-6628-4A57-BFC8-67531EB64637}"/>
-              </a:ext>
-            </a:extLst>
-          </p:cNvPr>
-          <p:cNvSpPr txBox="1"/>
-          <p:nvPr/>
-        </p:nvSpPr>
-        <p:spPr>
-          <a:xfrm>
-            <a:off x="3481497" y="6200905"/>
-            <a:ext cx="378630" cy="300082"/>
-          </a:xfrm>
-          <a:prstGeom prst="rect">
-            <a:avLst/>
-          </a:prstGeom>
-          <a:solidFill>
-            <a:schemeClr val="bg1"/>
-          </a:solidFill>
-        </p:spPr>
-        <p:txBody>
-          <a:bodyPr wrap="none" rtlCol="0">
-            <a:spAutoFit/>
-          </a:bodyPr>
-          <a:lstStyle/>
-          <a:p>
-            <a:pPr algn="ctr" defTabSz="685800"/>
-            <a:r>
-              <a:rPr lang="en-US" sz="1350" dirty="0">
-                <a:solidFill>
-                  <a:schemeClr val="accent1"/>
-                </a:solidFill>
-              </a:rPr>
-              <a:t>4 s</a:t>
-            </a:r>
-            <a:endParaRPr lang="en-US" sz="1350" baseline="30000" dirty="0">
-              <a:solidFill>
-                <a:schemeClr val="accent1"/>
-              </a:solidFill>
-            </a:endParaRPr>
-          </a:p>
-        </p:txBody>
-      </p:sp>
-      <p:sp>
-        <p:nvSpPr>
-          <p:cNvPr id="19" name="TextBox 18">
-            <a:extLst>
-              <a:ext uri="{FF2B5EF4-FFF2-40B4-BE49-F238E27FC236}">
-                <a16:creationId xmlns:a16="http://schemas.microsoft.com/office/drawing/2014/main" id="{AB605949-210B-4578-A1E3-157C920078E2}"/>
-              </a:ext>
-            </a:extLst>
-          </p:cNvPr>
-          <p:cNvSpPr txBox="1"/>
-          <p:nvPr/>
-        </p:nvSpPr>
-        <p:spPr>
-          <a:xfrm>
-            <a:off x="6387343" y="6185975"/>
-            <a:ext cx="466794" cy="300082"/>
-          </a:xfrm>
-          <a:prstGeom prst="rect">
-            <a:avLst/>
-          </a:prstGeom>
-          <a:solidFill>
-            <a:schemeClr val="bg1"/>
-          </a:solidFill>
-        </p:spPr>
-        <p:txBody>
-          <a:bodyPr wrap="none" rtlCol="0">
-            <a:spAutoFit/>
-          </a:bodyPr>
-          <a:lstStyle/>
-          <a:p>
-            <a:pPr algn="ctr" defTabSz="685800"/>
-            <a:r>
-              <a:rPr lang="en-US" sz="1350" dirty="0">
-                <a:solidFill>
-                  <a:schemeClr val="accent1"/>
-                </a:solidFill>
-              </a:rPr>
-              <a:t>10 s</a:t>
-            </a:r>
-            <a:endParaRPr lang="en-US" sz="1350" baseline="30000" dirty="0">
-              <a:solidFill>
-                <a:schemeClr val="accent1"/>
-              </a:solidFill>
-            </a:endParaRPr>
-          </a:p>
-        </p:txBody>
-      </p:sp>
-      <p:cxnSp>
-        <p:nvCxnSpPr>
-          <p:cNvPr id="25" name="Straight Connector 24">
-            <a:extLst>
-              <a:ext uri="{FF2B5EF4-FFF2-40B4-BE49-F238E27FC236}">
-                <a16:creationId xmlns:a16="http://schemas.microsoft.com/office/drawing/2014/main" id="{B87CDCA3-1FC4-467B-97CE-BDD3FF67C2CE}"/>
-              </a:ext>
-            </a:extLst>
-          </p:cNvPr>
-          <p:cNvCxnSpPr>
-            <a:cxnSpLocks/>
-          </p:cNvCxnSpPr>
-          <p:nvPr/>
-        </p:nvCxnSpPr>
-        <p:spPr>
-          <a:xfrm flipH="1">
-            <a:off x="2134373" y="4565092"/>
-            <a:ext cx="1545452" cy="1378508"/>
-          </a:xfrm>
-          <a:prstGeom prst="line">
-            <a:avLst/>
-          </a:prstGeom>
-          <a:ln w="38100">
-            <a:solidFill>
-              <a:srgbClr val="FF0000"/>
-            </a:solidFill>
-          </a:ln>
-        </p:spPr>
-        <p:style>
-          <a:lnRef idx="3">
-            <a:schemeClr val="dk1"/>
-          </a:lnRef>
-          <a:fillRef idx="0">
-            <a:schemeClr val="dk1"/>
-          </a:fillRef>
-          <a:effectRef idx="2">
-            <a:schemeClr val="dk1"/>
-          </a:effectRef>
-          <a:fontRef idx="minor">
-            <a:schemeClr val="tx1"/>
-          </a:fontRef>
-        </p:style>
-      </p:cxnSp>
-    </p:spTree>
-    <p:extLst>
-      <p:ext uri="{BB962C8B-B14F-4D97-AF65-F5344CB8AC3E}">
-        <p14:creationId xmlns:p14="http://schemas.microsoft.com/office/powerpoint/2010/main" val="510980581"/>
-      </p:ext>
-    </p:extLst>
-  </p:cSld>
-  <p:clrMapOvr>
-    <a:masterClrMapping/>
-  </p:clrMapOvr>
-</p:sld>
-</file>
-
-<file path=ppt/slides/slide12.xml><?xml version="1.0" encoding="utf-8"?>
-<p:sld xmlns:a="http://schemas.openxmlformats.org/drawingml/2006/main" xmlns:r="http://schemas.openxmlformats.org/officeDocument/2006/relationships" xmlns:p="http://schemas.openxmlformats.org/presentationml/2006/main">
-  <p:cSld>
-    <p:spTree>
-      <p:nvGrpSpPr>
-        <p:cNvPr id="1" name=""/>
-        <p:cNvGrpSpPr/>
-        <p:nvPr/>
-      </p:nvGrpSpPr>
-      <p:grpSpPr>
-        <a:xfrm>
-          <a:off x="0" y="0"/>
-          <a:ext cx="0" cy="0"/>
-          <a:chOff x="0" y="0"/>
-          <a:chExt cx="0" cy="0"/>
-        </a:xfrm>
-      </p:grpSpPr>
-      <p:sp>
-        <p:nvSpPr>
-          <p:cNvPr id="2" name="Title 1"/>
-          <p:cNvSpPr>
-            <a:spLocks noGrp="1"/>
-          </p:cNvSpPr>
-          <p:nvPr>
-            <p:ph type="title"/>
-          </p:nvPr>
-        </p:nvSpPr>
-        <p:spPr/>
-        <p:txBody>
-          <a:bodyPr>
-            <a:normAutofit/>
-          </a:bodyPr>
-          <a:lstStyle/>
-          <a:p>
-            <a:r>
-              <a:rPr lang="en-US" dirty="0"/>
-              <a:t>Worked Example</a:t>
-            </a:r>
-          </a:p>
-        </p:txBody>
-      </p:sp>
-      <p:sp>
-        <p:nvSpPr>
-          <p:cNvPr id="3" name="Content Placeholder 2"/>
-          <p:cNvSpPr>
-            <a:spLocks noGrp="1"/>
-          </p:cNvSpPr>
-          <p:nvPr>
-            <p:ph idx="1"/>
-          </p:nvPr>
-        </p:nvSpPr>
-        <p:spPr>
-          <a:xfrm>
-            <a:off x="457200" y="1600200"/>
-            <a:ext cx="8229600" cy="2666999"/>
-          </a:xfrm>
-        </p:spPr>
-        <p:txBody>
-          <a:bodyPr>
-            <a:normAutofit fontScale="85000" lnSpcReduction="20000"/>
-          </a:bodyPr>
-          <a:lstStyle/>
-          <a:p>
-            <a:r>
-              <a:rPr lang="en-US" dirty="0"/>
-              <a:t>A satellite with a mass of 12,000 kg and a speed of 600 m/s fires a thruster exerting a force of 600 kN at a 30</a:t>
-            </a:r>
-            <a:r>
-              <a:rPr lang="en-US" baseline="30000" dirty="0"/>
-              <a:t>o</a:t>
-            </a:r>
-            <a:r>
-              <a:rPr lang="en-US" dirty="0"/>
-              <a:t> angle with the current path as shown below.  The thruster is turned off after completing a 90</a:t>
-            </a:r>
-            <a:r>
-              <a:rPr lang="en-US" baseline="30000" dirty="0"/>
-              <a:t>o</a:t>
-            </a:r>
-            <a:r>
-              <a:rPr lang="en-US" dirty="0"/>
-              <a:t> turn as shown below.</a:t>
-            </a:r>
-          </a:p>
-          <a:p>
-            <a:pPr lvl="1"/>
-            <a:r>
-              <a:rPr lang="en-US" dirty="0"/>
-              <a:t>How long is the thruster on?</a:t>
-            </a:r>
-          </a:p>
-          <a:p>
-            <a:pPr lvl="1"/>
-            <a:r>
-              <a:rPr lang="en-US" dirty="0"/>
-              <a:t>What is the final velocity of the satellite?</a:t>
-            </a:r>
-          </a:p>
-        </p:txBody>
-      </p:sp>
-      <p:sp>
-        <p:nvSpPr>
-          <p:cNvPr id="4" name="Slide Number Placeholder 3"/>
-          <p:cNvSpPr>
-            <a:spLocks noGrp="1"/>
-          </p:cNvSpPr>
-          <p:nvPr>
-            <p:ph type="sldNum" sz="quarter" idx="12"/>
-          </p:nvPr>
-        </p:nvSpPr>
-        <p:spPr/>
-        <p:txBody>
-          <a:bodyPr/>
-          <a:lstStyle/>
-          <a:p>
-            <a:fld id="{929262FE-7F58-4A1E-8AF3-5A510A86DEBD}" type="slidenum">
-              <a:rPr lang="en-US" smtClean="0"/>
-              <a:t>12</a:t>
-            </a:fld>
-            <a:endParaRPr lang="en-US"/>
-          </a:p>
-        </p:txBody>
-      </p:sp>
-      <p:sp>
-        <p:nvSpPr>
-          <p:cNvPr id="5" name="Arc 4"/>
-          <p:cNvSpPr/>
-          <p:nvPr/>
-        </p:nvSpPr>
-        <p:spPr>
-          <a:xfrm>
-            <a:off x="2514600" y="5257800"/>
-            <a:ext cx="3962400" cy="1981200"/>
-          </a:xfrm>
-          <a:prstGeom prst="arc">
-            <a:avLst/>
-          </a:prstGeom>
-          <a:ln>
-            <a:prstDash val="lgDash"/>
-          </a:ln>
-        </p:spPr>
-        <p:style>
-          <a:lnRef idx="1">
-            <a:schemeClr val="accent1"/>
-          </a:lnRef>
-          <a:fillRef idx="0">
-            <a:schemeClr val="accent1"/>
-          </a:fillRef>
-          <a:effectRef idx="0">
-            <a:schemeClr val="accent1"/>
-          </a:effectRef>
-          <a:fontRef idx="minor">
-            <a:schemeClr val="tx1"/>
-          </a:fontRef>
-        </p:style>
-        <p:txBody>
-          <a:bodyPr rtlCol="0" anchor="ctr"/>
-          <a:lstStyle/>
-          <a:p>
-            <a:pPr algn="ctr"/>
-            <a:endParaRPr lang="en-US"/>
-          </a:p>
-        </p:txBody>
-      </p:sp>
-      <p:cxnSp>
-        <p:nvCxnSpPr>
-          <p:cNvPr id="7" name="Straight Arrow Connector 6"/>
-          <p:cNvCxnSpPr/>
-          <p:nvPr/>
-        </p:nvCxnSpPr>
-        <p:spPr>
-          <a:xfrm>
-            <a:off x="6477000" y="6248400"/>
-            <a:ext cx="0" cy="381000"/>
-          </a:xfrm>
-          <a:prstGeom prst="straightConnector1">
-            <a:avLst/>
-          </a:prstGeom>
-          <a:ln>
-            <a:prstDash val="lgDash"/>
-            <a:tailEnd type="arrow"/>
-          </a:ln>
-        </p:spPr>
-        <p:style>
-          <a:lnRef idx="1">
-            <a:schemeClr val="accent1"/>
-          </a:lnRef>
-          <a:fillRef idx="0">
-            <a:schemeClr val="accent1"/>
-          </a:fillRef>
-          <a:effectRef idx="0">
-            <a:schemeClr val="accent1"/>
-          </a:effectRef>
-          <a:fontRef idx="minor">
-            <a:schemeClr val="tx1"/>
-          </a:fontRef>
-        </p:style>
-      </p:cxnSp>
-      <p:cxnSp>
-        <p:nvCxnSpPr>
-          <p:cNvPr id="9" name="Straight Arrow Connector 8"/>
-          <p:cNvCxnSpPr/>
-          <p:nvPr/>
-        </p:nvCxnSpPr>
-        <p:spPr>
-          <a:xfrm flipH="1">
-            <a:off x="4351686" y="4572000"/>
-            <a:ext cx="906114" cy="533400"/>
-          </a:xfrm>
-          <a:prstGeom prst="straightConnector1">
-            <a:avLst/>
-          </a:prstGeom>
-          <a:ln>
-            <a:solidFill>
-              <a:srgbClr val="FF0000"/>
-            </a:solidFill>
-            <a:tailEnd type="arrow"/>
-          </a:ln>
-        </p:spPr>
-        <p:style>
-          <a:lnRef idx="3">
-            <a:schemeClr val="dk1"/>
-          </a:lnRef>
-          <a:fillRef idx="0">
-            <a:schemeClr val="dk1"/>
-          </a:fillRef>
-          <a:effectRef idx="2">
-            <a:schemeClr val="dk1"/>
-          </a:effectRef>
-          <a:fontRef idx="minor">
-            <a:schemeClr val="tx1"/>
-          </a:fontRef>
-        </p:style>
-      </p:cxnSp>
-      <mc:AlternateContent xmlns:mc="http://schemas.openxmlformats.org/markup-compatibility/2006" xmlns:a14="http://schemas.microsoft.com/office/drawing/2010/main">
-        <mc:Choice Requires="a14">
-          <p:sp>
-            <p:nvSpPr>
-              <p:cNvPr id="11" name="TextBox 10"/>
-              <p:cNvSpPr txBox="1"/>
-              <p:nvPr/>
-            </p:nvSpPr>
-            <p:spPr>
-              <a:xfrm>
-                <a:off x="4384343" y="4469368"/>
-                <a:ext cx="480388" cy="369332"/>
-              </a:xfrm>
-              <a:prstGeom prst="rect">
-                <a:avLst/>
-              </a:prstGeom>
-              <a:noFill/>
-            </p:spPr>
-            <p:txBody>
-              <a:bodyPr wrap="none" rtlCol="0">
-                <a:spAutoFit/>
-              </a:bodyPr>
-              <a:lstStyle/>
-              <a:p>
-                <a:pPr/>
-                <a14:m>
-                  <m:oMathPara xmlns:m="http://schemas.openxmlformats.org/officeDocument/2006/math">
-                    <m:oMathParaPr>
-                      <m:jc m:val="centerGroup"/>
-                    </m:oMathParaPr>
-                    <m:oMath xmlns:m="http://schemas.openxmlformats.org/officeDocument/2006/math">
-                      <m:sSub>
-                        <m:sSubPr>
-                          <m:ctrlPr>
-                            <a:rPr lang="en-US" b="1" i="1" smtClean="0">
-                              <a:solidFill>
-                                <a:srgbClr val="FF0000"/>
-                              </a:solidFill>
-                              <a:latin typeface="Cambria Math" panose="02040503050406030204" pitchFamily="18" charset="0"/>
-                            </a:rPr>
-                          </m:ctrlPr>
-                        </m:sSubPr>
-                        <m:e>
-                          <m:r>
-                            <a:rPr lang="en-US" b="1" i="0" smtClean="0">
-                              <a:solidFill>
-                                <a:srgbClr val="FF0000"/>
-                              </a:solidFill>
-                              <a:latin typeface="Cambria Math"/>
-                            </a:rPr>
-                            <m:t>𝐅</m:t>
-                          </m:r>
-                        </m:e>
-                        <m:sub>
-                          <m:r>
-                            <a:rPr lang="en-US" b="1" i="0" smtClean="0">
-                              <a:solidFill>
-                                <a:srgbClr val="FF0000"/>
-                              </a:solidFill>
-                              <a:latin typeface="Cambria Math"/>
-                            </a:rPr>
-                            <m:t>𝐓</m:t>
-                          </m:r>
-                        </m:sub>
-                      </m:sSub>
-                    </m:oMath>
-                  </m:oMathPara>
-                </a14:m>
-                <a:endParaRPr lang="en-US" b="1" dirty="0"/>
-              </a:p>
-            </p:txBody>
-          </p:sp>
-        </mc:Choice>
-        <mc:Fallback xmlns="">
-          <p:sp>
-            <p:nvSpPr>
-              <p:cNvPr id="11" name="TextBox 10"/>
-              <p:cNvSpPr txBox="1">
-                <a:spLocks noRot="1" noChangeAspect="1" noMove="1" noResize="1" noEditPoints="1" noAdjustHandles="1" noChangeArrowheads="1" noChangeShapeType="1" noTextEdit="1"/>
-              </p:cNvSpPr>
-              <p:nvPr/>
-            </p:nvSpPr>
-            <p:spPr>
-              <a:xfrm>
-                <a:off x="4384343" y="4469368"/>
-                <a:ext cx="480388" cy="369332"/>
-              </a:xfrm>
-              <a:prstGeom prst="rect">
-                <a:avLst/>
-              </a:prstGeom>
-              <a:blipFill rotWithShape="1">
-                <a:blip r:embed="rId3"/>
-                <a:stretch>
-                  <a:fillRect/>
-                </a:stretch>
-              </a:blipFill>
-            </p:spPr>
-            <p:txBody>
-              <a:bodyPr/>
-              <a:lstStyle/>
-              <a:p>
-                <a:r>
-                  <a:rPr lang="en-US">
-                    <a:noFill/>
-                  </a:rPr>
-                  <a:t> </a:t>
-                </a:r>
-              </a:p>
-            </p:txBody>
-          </p:sp>
-        </mc:Fallback>
-      </mc:AlternateContent>
-      <p:sp>
-        <p:nvSpPr>
-          <p:cNvPr id="13" name="Arc 12"/>
-          <p:cNvSpPr/>
-          <p:nvPr/>
-        </p:nvSpPr>
-        <p:spPr>
-          <a:xfrm>
-            <a:off x="3657600" y="4495800"/>
-            <a:ext cx="1371600" cy="1371600"/>
-          </a:xfrm>
-          <a:prstGeom prst="arc">
-            <a:avLst>
-              <a:gd name="adj1" fmla="val 19785643"/>
-              <a:gd name="adj2" fmla="val 287006"/>
-            </a:avLst>
-          </a:prstGeom>
-        </p:spPr>
-        <p:style>
-          <a:lnRef idx="1">
-            <a:schemeClr val="accent1"/>
-          </a:lnRef>
-          <a:fillRef idx="0">
-            <a:schemeClr val="accent1"/>
-          </a:fillRef>
-          <a:effectRef idx="0">
-            <a:schemeClr val="accent1"/>
-          </a:effectRef>
-          <a:fontRef idx="minor">
-            <a:schemeClr val="tx1"/>
-          </a:fontRef>
-        </p:style>
-        <p:txBody>
-          <a:bodyPr rtlCol="0" anchor="ctr"/>
-          <a:lstStyle/>
-          <a:p>
-            <a:pPr algn="ctr"/>
-            <a:endParaRPr lang="en-US"/>
-          </a:p>
-        </p:txBody>
-      </p:sp>
-      <p:sp>
-        <p:nvSpPr>
-          <p:cNvPr id="14" name="TextBox 13"/>
-          <p:cNvSpPr txBox="1"/>
-          <p:nvPr/>
-        </p:nvSpPr>
-        <p:spPr>
-          <a:xfrm>
-            <a:off x="5269398" y="4838700"/>
-            <a:ext cx="500458" cy="369332"/>
-          </a:xfrm>
-          <a:prstGeom prst="rect">
-            <a:avLst/>
-          </a:prstGeom>
-          <a:noFill/>
-        </p:spPr>
-        <p:txBody>
-          <a:bodyPr wrap="none" rtlCol="0">
-            <a:spAutoFit/>
-          </a:bodyPr>
-          <a:lstStyle/>
-          <a:p>
-            <a:r>
-              <a:rPr lang="en-US" dirty="0">
-                <a:solidFill>
-                  <a:schemeClr val="accent1"/>
-                </a:solidFill>
-              </a:rPr>
-              <a:t>30</a:t>
-            </a:r>
-            <a:r>
-              <a:rPr lang="en-US" baseline="30000" dirty="0">
-                <a:solidFill>
-                  <a:schemeClr val="accent1"/>
-                </a:solidFill>
-              </a:rPr>
-              <a:t>o</a:t>
-            </a:r>
-          </a:p>
-        </p:txBody>
-      </p:sp>
-      <p:pic>
-        <p:nvPicPr>
-          <p:cNvPr id="6" name="Picture 2" descr="Satellite by Cheeseness">
-            <a:extLst>
-              <a:ext uri="{FF2B5EF4-FFF2-40B4-BE49-F238E27FC236}">
-                <a16:creationId xmlns:a16="http://schemas.microsoft.com/office/drawing/2014/main" id="{9125BA88-2261-42D8-A753-52525FF13D66}"/>
-              </a:ext>
-            </a:extLst>
-          </p:cNvPr>
-          <p:cNvPicPr>
-            <a:picLocks noChangeAspect="1" noChangeArrowheads="1"/>
-          </p:cNvPicPr>
-          <p:nvPr/>
-        </p:nvPicPr>
-        <p:blipFill>
-          <a:blip r:embed="rId4" cstate="print">
-            <a:extLst>
-              <a:ext uri="{28A0092B-C50C-407E-A947-70E740481C1C}">
-                <a14:useLocalDpi xmlns:a14="http://schemas.microsoft.com/office/drawing/2010/main" val="0"/>
-              </a:ext>
-            </a:extLst>
-          </a:blip>
-          <a:srcRect/>
-          <a:stretch>
-            <a:fillRect/>
-          </a:stretch>
-        </p:blipFill>
-        <p:spPr bwMode="auto">
-          <a:xfrm rot="16200000">
-            <a:off x="3354466" y="4954666"/>
-            <a:ext cx="1371601" cy="606267"/>
-          </a:xfrm>
-          <a:prstGeom prst="rect">
-            <a:avLst/>
-          </a:prstGeom>
-          <a:noFill/>
-          <a:extLst>
-            <a:ext uri="{909E8E84-426E-40DD-AFC4-6F175D3DCCD1}">
-              <a14:hiddenFill xmlns:a14="http://schemas.microsoft.com/office/drawing/2010/main">
-                <a:solidFill>
-                  <a:srgbClr val="FFFFFF"/>
-                </a:solidFill>
-              </a14:hiddenFill>
-            </a:ext>
-          </a:extLst>
-        </p:spPr>
-      </p:pic>
-    </p:spTree>
-    <p:extLst>
-      <p:ext uri="{BB962C8B-B14F-4D97-AF65-F5344CB8AC3E}">
-        <p14:creationId xmlns:p14="http://schemas.microsoft.com/office/powerpoint/2010/main" val="4910990"/>
-      </p:ext>
-    </p:extLst>
-  </p:cSld>
-  <p:clrMapOvr>
-    <a:masterClrMapping/>
-  </p:clrMapOvr>
-</p:sld>
-</file>
-
-<file path=ppt/slides/slide13.xml><?xml version="1.0" encoding="utf-8"?>
-<p:sld xmlns:a="http://schemas.openxmlformats.org/drawingml/2006/main" xmlns:r="http://schemas.openxmlformats.org/officeDocument/2006/relationships" xmlns:p="http://schemas.openxmlformats.org/presentationml/2006/main">
-  <p:cSld>
-    <p:spTree>
-      <p:nvGrpSpPr>
-        <p:cNvPr id="1" name=""/>
-        <p:cNvGrpSpPr/>
-        <p:nvPr/>
-      </p:nvGrpSpPr>
-      <p:grpSpPr>
-        <a:xfrm>
-          <a:off x="0" y="0"/>
-          <a:ext cx="0" cy="0"/>
-          <a:chOff x="0" y="0"/>
-          <a:chExt cx="0" cy="0"/>
-        </a:xfrm>
-      </p:grpSpPr>
-      <p:sp>
-        <p:nvSpPr>
-          <p:cNvPr id="2" name="Title 1"/>
-          <p:cNvSpPr>
-            <a:spLocks noGrp="1"/>
-          </p:cNvSpPr>
-          <p:nvPr>
-            <p:ph type="title"/>
-          </p:nvPr>
-        </p:nvSpPr>
-        <p:spPr/>
-        <p:txBody>
-          <a:bodyPr>
-            <a:normAutofit/>
-          </a:bodyPr>
-          <a:lstStyle/>
-          <a:p>
-            <a:r>
-              <a:rPr lang="en-US" dirty="0"/>
-              <a:t>Worked Example</a:t>
-            </a:r>
-          </a:p>
-        </p:txBody>
-      </p:sp>
-      <p:sp>
-        <p:nvSpPr>
-          <p:cNvPr id="3" name="Content Placeholder 2"/>
-          <p:cNvSpPr>
-            <a:spLocks noGrp="1"/>
-          </p:cNvSpPr>
-          <p:nvPr>
-            <p:ph idx="1"/>
-          </p:nvPr>
-        </p:nvSpPr>
-        <p:spPr>
-          <a:xfrm>
-            <a:off x="457200" y="1600200"/>
-            <a:ext cx="8229600" cy="2514599"/>
-          </a:xfrm>
-        </p:spPr>
-        <p:txBody>
-          <a:bodyPr>
-            <a:normAutofit fontScale="92500" lnSpcReduction="20000"/>
-          </a:bodyPr>
-          <a:lstStyle/>
-          <a:p>
-            <a:r>
-              <a:rPr lang="en-US" dirty="0"/>
-              <a:t>A satellite with a mass of 12,000 kg and a speed of 600 m/s is traveling 30</a:t>
-            </a:r>
-            <a:r>
-              <a:rPr lang="en-US" baseline="30000" dirty="0"/>
-              <a:t>o</a:t>
-            </a:r>
-            <a:r>
-              <a:rPr lang="en-US" dirty="0"/>
-              <a:t> from horizontal.  If the capsule is to have the same speed but travel horizontally after 10 seconds, what is the magnitude and direction of the required average thruster force?</a:t>
-            </a:r>
-          </a:p>
-          <a:p>
-            <a:endParaRPr lang="en-US" dirty="0"/>
-          </a:p>
-        </p:txBody>
-      </p:sp>
-      <p:sp>
-        <p:nvSpPr>
-          <p:cNvPr id="4" name="Slide Number Placeholder 3"/>
-          <p:cNvSpPr>
-            <a:spLocks noGrp="1"/>
-          </p:cNvSpPr>
-          <p:nvPr>
-            <p:ph type="sldNum" sz="quarter" idx="12"/>
-          </p:nvPr>
-        </p:nvSpPr>
-        <p:spPr/>
-        <p:txBody>
-          <a:bodyPr/>
-          <a:lstStyle/>
-          <a:p>
-            <a:fld id="{929262FE-7F58-4A1E-8AF3-5A510A86DEBD}" type="slidenum">
-              <a:rPr lang="en-US" smtClean="0"/>
-              <a:t>13</a:t>
-            </a:fld>
-            <a:endParaRPr lang="en-US"/>
-          </a:p>
-        </p:txBody>
-      </p:sp>
-      <p:sp>
-        <p:nvSpPr>
-          <p:cNvPr id="9" name="TextBox 8"/>
-          <p:cNvSpPr txBox="1"/>
-          <p:nvPr/>
-        </p:nvSpPr>
-        <p:spPr>
-          <a:xfrm>
-            <a:off x="3281863" y="5316873"/>
-            <a:ext cx="500458" cy="369332"/>
-          </a:xfrm>
-          <a:prstGeom prst="rect">
-            <a:avLst/>
-          </a:prstGeom>
-          <a:noFill/>
-        </p:spPr>
-        <p:txBody>
-          <a:bodyPr wrap="none" rtlCol="0">
-            <a:spAutoFit/>
-          </a:bodyPr>
-          <a:lstStyle/>
-          <a:p>
-            <a:r>
-              <a:rPr lang="en-US" dirty="0">
-                <a:solidFill>
-                  <a:schemeClr val="accent1"/>
-                </a:solidFill>
-              </a:rPr>
-              <a:t>30</a:t>
-            </a:r>
-            <a:r>
-              <a:rPr lang="en-US" baseline="30000" dirty="0">
-                <a:solidFill>
-                  <a:schemeClr val="accent1"/>
-                </a:solidFill>
-              </a:rPr>
-              <a:t>o</a:t>
-            </a:r>
-          </a:p>
-        </p:txBody>
-      </p:sp>
-      <p:sp>
-        <p:nvSpPr>
-          <p:cNvPr id="12" name="Arc 11"/>
-          <p:cNvSpPr/>
-          <p:nvPr/>
-        </p:nvSpPr>
-        <p:spPr>
-          <a:xfrm>
-            <a:off x="2362200" y="5029200"/>
-            <a:ext cx="5181600" cy="2400300"/>
-          </a:xfrm>
-          <a:prstGeom prst="arc">
-            <a:avLst>
-              <a:gd name="adj1" fmla="val 12320770"/>
-              <a:gd name="adj2" fmla="val 16160031"/>
-            </a:avLst>
-          </a:prstGeom>
-          <a:ln>
-            <a:prstDash val="lgDash"/>
-          </a:ln>
-        </p:spPr>
-        <p:style>
-          <a:lnRef idx="1">
-            <a:schemeClr val="accent1"/>
-          </a:lnRef>
-          <a:fillRef idx="0">
-            <a:schemeClr val="accent1"/>
-          </a:fillRef>
-          <a:effectRef idx="0">
-            <a:schemeClr val="accent1"/>
-          </a:effectRef>
-          <a:fontRef idx="minor">
-            <a:schemeClr val="tx1"/>
-          </a:fontRef>
-        </p:style>
-        <p:txBody>
-          <a:bodyPr rtlCol="0" anchor="ctr"/>
-          <a:lstStyle/>
-          <a:p>
-            <a:pPr algn="ctr"/>
-            <a:endParaRPr lang="en-US"/>
-          </a:p>
-        </p:txBody>
-      </p:sp>
-      <p:cxnSp>
-        <p:nvCxnSpPr>
-          <p:cNvPr id="13" name="Straight Arrow Connector 12"/>
-          <p:cNvCxnSpPr/>
-          <p:nvPr/>
-        </p:nvCxnSpPr>
-        <p:spPr>
-          <a:xfrm flipV="1">
-            <a:off x="4800600" y="5031922"/>
-            <a:ext cx="2743200" cy="0"/>
-          </a:xfrm>
-          <a:prstGeom prst="straightConnector1">
-            <a:avLst/>
-          </a:prstGeom>
-          <a:ln>
-            <a:prstDash val="lgDash"/>
-            <a:tailEnd type="arrow"/>
-          </a:ln>
-        </p:spPr>
-        <p:style>
-          <a:lnRef idx="1">
-            <a:schemeClr val="accent1"/>
-          </a:lnRef>
-          <a:fillRef idx="0">
-            <a:schemeClr val="accent1"/>
-          </a:fillRef>
-          <a:effectRef idx="0">
-            <a:schemeClr val="accent1"/>
-          </a:effectRef>
-          <a:fontRef idx="minor">
-            <a:schemeClr val="tx1"/>
-          </a:fontRef>
-        </p:style>
-      </p:cxnSp>
-      <p:pic>
-        <p:nvPicPr>
-          <p:cNvPr id="10" name="Picture 2" descr="Satellite by Cheeseness">
-            <a:extLst>
-              <a:ext uri="{FF2B5EF4-FFF2-40B4-BE49-F238E27FC236}">
-                <a16:creationId xmlns:a16="http://schemas.microsoft.com/office/drawing/2014/main" id="{B0DA23E5-953F-4AF2-B138-E28AAA2B8D16}"/>
-              </a:ext>
-            </a:extLst>
-          </p:cNvPr>
-          <p:cNvPicPr>
-            <a:picLocks noChangeAspect="1" noChangeArrowheads="1"/>
-          </p:cNvPicPr>
-          <p:nvPr/>
-        </p:nvPicPr>
-        <p:blipFill>
-          <a:blip r:embed="rId2" cstate="print">
-            <a:extLst>
-              <a:ext uri="{28A0092B-C50C-407E-A947-70E740481C1C}">
-                <a14:useLocalDpi xmlns:a14="http://schemas.microsoft.com/office/drawing/2010/main" val="0"/>
-              </a:ext>
-            </a:extLst>
-          </a:blip>
-          <a:srcRect/>
-          <a:stretch>
-            <a:fillRect/>
-          </a:stretch>
-        </p:blipFill>
-        <p:spPr bwMode="auto">
-          <a:xfrm rot="14356422">
-            <a:off x="2146392" y="5258008"/>
-            <a:ext cx="1371601" cy="606267"/>
-          </a:xfrm>
-          <a:prstGeom prst="rect">
-            <a:avLst/>
-          </a:prstGeom>
-          <a:noFill/>
-          <a:extLst>
-            <a:ext uri="{909E8E84-426E-40DD-AFC4-6F175D3DCCD1}">
-              <a14:hiddenFill xmlns:a14="http://schemas.microsoft.com/office/drawing/2010/main">
-                <a:solidFill>
-                  <a:srgbClr val="FFFFFF"/>
-                </a:solidFill>
-              </a14:hiddenFill>
-            </a:ext>
-          </a:extLst>
-        </p:spPr>
-      </p:pic>
-    </p:spTree>
-    <p:extLst>
-      <p:ext uri="{BB962C8B-B14F-4D97-AF65-F5344CB8AC3E}">
-        <p14:creationId xmlns:p14="http://schemas.microsoft.com/office/powerpoint/2010/main" val="4194175505"/>
-      </p:ext>
-    </p:extLst>
-  </p:cSld>
-  <p:clrMapOvr>
-    <a:masterClrMapping/>
-  </p:clrMapOvr>
-</p:sld>
-</file>
-
 <file path=ppt/slides/slide2.xml><?xml version="1.0" encoding="utf-8"?>
 <p:sld xmlns:a="http://schemas.openxmlformats.org/drawingml/2006/main" xmlns:r="http://schemas.openxmlformats.org/officeDocument/2006/relationships" xmlns:p="http://schemas.openxmlformats.org/presentationml/2006/main">
   <p:cSld>
@@ -5514,7 +3928,7 @@
             </a:r>
             <a:r>
               <a:rPr lang="en-US" dirty="0"/>
-              <a:t>), as an alternative to the force, mass, and acceleration method.</a:t>
+              <a:t>), as an alternative way to relate forces and motion.</a:t>
             </a:r>
           </a:p>
           <a:p>
@@ -6706,6 +5120,62 @@
       </p:grpSpPr>
       <p:sp>
         <p:nvSpPr>
+          <p:cNvPr id="20" name="Isosceles Triangle 19">
+            <a:extLst>
+              <a:ext uri="{FF2B5EF4-FFF2-40B4-BE49-F238E27FC236}">
+                <a16:creationId xmlns:a16="http://schemas.microsoft.com/office/drawing/2014/main" id="{9D34DC90-C11D-5A97-A816-CB328920B9D2}"/>
+              </a:ext>
+            </a:extLst>
+          </p:cNvPr>
+          <p:cNvSpPr/>
+          <p:nvPr/>
+        </p:nvSpPr>
+        <p:spPr>
+          <a:xfrm>
+            <a:off x="6675958" y="3086227"/>
+            <a:ext cx="1133834" cy="1485766"/>
+          </a:xfrm>
+          <a:prstGeom prst="triangle">
+            <a:avLst>
+              <a:gd name="adj" fmla="val 39919"/>
+            </a:avLst>
+          </a:prstGeom>
+          <a:solidFill>
+            <a:srgbClr val="FF0000">
+              <a:alpha val="24000"/>
+            </a:srgbClr>
+          </a:solidFill>
+          <a:ln>
+            <a:noFill/>
+          </a:ln>
+        </p:spPr>
+        <p:style>
+          <a:lnRef idx="2">
+            <a:schemeClr val="accent1">
+              <a:shade val="50000"/>
+            </a:schemeClr>
+          </a:lnRef>
+          <a:fillRef idx="1">
+            <a:schemeClr val="accent1"/>
+          </a:fillRef>
+          <a:effectRef idx="0">
+            <a:schemeClr val="accent1"/>
+          </a:effectRef>
+          <a:fontRef idx="minor">
+            <a:schemeClr val="lt1"/>
+          </a:fontRef>
+        </p:style>
+        <p:txBody>
+          <a:bodyPr rtlCol="0" anchor="ctr"/>
+          <a:lstStyle/>
+          <a:p>
+            <a:pPr algn="ctr"/>
+            <a:endParaRPr lang="en-US"/>
+          </a:p>
+        </p:txBody>
+      </p:sp>
+      <p:sp>
+        <p:nvSpPr>
           <p:cNvPr id="2" name="Title 1"/>
           <p:cNvSpPr>
             <a:spLocks noGrp="1"/>
@@ -6726,8 +5196,8 @@
           </a:p>
         </p:txBody>
       </p:sp>
-      <mc:AlternateContent xmlns:mc="http://schemas.openxmlformats.org/markup-compatibility/2006" xmlns:a14="http://schemas.microsoft.com/office/drawing/2010/main">
-        <mc:Choice Requires="a14">
+      <mc:AlternateContent xmlns:mc="http://schemas.openxmlformats.org/markup-compatibility/2006">
+        <mc:Choice xmlns:a14="http://schemas.microsoft.com/office/drawing/2010/main" Requires="a14">
           <p:sp>
             <p:nvSpPr>
               <p:cNvPr id="3" name="Content Placeholder 2"/>
@@ -6738,7 +5208,12 @@
                 <p:ph idx="1"/>
               </p:nvPr>
             </p:nvSpPr>
-            <p:spPr/>
+            <p:spPr>
+              <a:xfrm>
+                <a:off x="457199" y="1600200"/>
+                <a:ext cx="5439843" cy="4876800"/>
+              </a:xfrm>
+            </p:spPr>
             <p:txBody>
               <a:bodyPr>
                 <a:normAutofit fontScale="77500" lnSpcReduction="20000"/>
@@ -6747,7 +5222,7 @@
               <a:p>
                 <a:r>
                   <a:rPr lang="en-US" dirty="0"/>
-                  <a:t>The impulse of a constant force over a set time will be equal to the magnitude of the force time the duration of the time.</a:t>
+                  <a:t>The impulse of a constant magnitude force will be equal to the magnitude of the force times the duration of the time.</a:t>
                 </a:r>
               </a:p>
               <a:p>
@@ -6841,7 +5316,7 @@
               <a:p>
                 <a:r>
                   <a:rPr lang="en-US" dirty="0"/>
-                  <a:t>More generally, the impulse by any force (which may change over time) is equal to the integral of the force some set time period.</a:t>
+                  <a:t>For non-constant magnitudes, the impulse of any force is equal to the integral of the force function over the set time period.</a:t>
                 </a:r>
               </a:p>
               <a:p>
@@ -6883,43 +5358,16 @@
                       </m:r>
                       <m:nary>
                         <m:naryPr>
+                          <m:subHide m:val="on"/>
+                          <m:supHide m:val="on"/>
                           <m:ctrlPr>
                             <a:rPr lang="en-US" i="1" smtClean="0">
                               <a:latin typeface="Cambria Math" panose="02040503050406030204" pitchFamily="18" charset="0"/>
                             </a:rPr>
                           </m:ctrlPr>
                         </m:naryPr>
-                        <m:sub>
-                          <m:r>
-                            <m:rPr>
-                              <m:brk m:alnAt="23"/>
-                            </m:rPr>
-                            <a:rPr lang="en-US" b="0" i="1" smtClean="0">
-                              <a:latin typeface="Cambria Math"/>
-                            </a:rPr>
-                            <m:t>𝑡</m:t>
-                          </m:r>
-                          <m:r>
-                            <a:rPr lang="en-US" b="0" i="1" smtClean="0">
-                              <a:latin typeface="Cambria Math"/>
-                            </a:rPr>
-                            <m:t>1</m:t>
-                          </m:r>
-                        </m:sub>
-                        <m:sup>
-                          <m:r>
-                            <a:rPr lang="en-US" b="0" i="1" smtClean="0">
-                              <a:latin typeface="Cambria Math"/>
-                            </a:rPr>
-                            <m:t>𝑡</m:t>
-                          </m:r>
-                          <m:r>
-                            <a:rPr lang="en-US" b="0" i="1" smtClean="0">
-                              <a:latin typeface="Cambria Math"/>
-                            </a:rPr>
-                            <m:t>2</m:t>
-                          </m:r>
-                        </m:sup>
+                        <m:sub/>
+                        <m:sup/>
                         <m:e>
                           <m:r>
                             <a:rPr lang="en-US" b="0" i="1" smtClean="0">
@@ -6960,13 +5408,13 @@
               <a:p>
                 <a:r>
                   <a:rPr lang="en-US" dirty="0"/>
-                  <a:t>In addition to a magnitude, an impulse will also have a direction.  Assuming the force has a constant direction, the direction of the force will be the direction of the impulse.</a:t>
+                  <a:t>These are vector quantities, and the direction of the force will be the direction of the impulse</a:t>
                 </a:r>
               </a:p>
             </p:txBody>
           </p:sp>
         </mc:Choice>
-        <mc:Fallback xmlns="">
+        <mc:Fallback>
           <p:sp>
             <p:nvSpPr>
               <p:cNvPr id="3" name="Content Placeholder 2"/>
@@ -6978,10 +5426,14 @@
               </p:nvPr>
             </p:nvSpPr>
             <p:spPr>
+              <a:xfrm>
+                <a:off x="457199" y="1600200"/>
+                <a:ext cx="5439843" cy="4876800"/>
+              </a:xfrm>
               <a:blipFill>
                 <a:blip r:embed="rId2"/>
                 <a:stretch>
-                  <a:fillRect l="-1037" t="-2561" r="-1111"/>
+                  <a:fillRect l="-1570" t="-2375" r="-1794" b="-2125"/>
                 </a:stretch>
               </a:blipFill>
             </p:spPr>
@@ -7023,10 +5475,304 @@
           </a:p>
         </p:txBody>
       </p:sp>
+      <p:grpSp>
+        <p:nvGrpSpPr>
+          <p:cNvPr id="21" name="Group 20">
+            <a:extLst>
+              <a:ext uri="{FF2B5EF4-FFF2-40B4-BE49-F238E27FC236}">
+                <a16:creationId xmlns:a16="http://schemas.microsoft.com/office/drawing/2014/main" id="{DAA21461-0C3B-E2AE-7B4E-5ED999A0BC8E}"/>
+              </a:ext>
+            </a:extLst>
+          </p:cNvPr>
+          <p:cNvGrpSpPr/>
+          <p:nvPr/>
+        </p:nvGrpSpPr>
+        <p:grpSpPr>
+          <a:xfrm>
+            <a:off x="6019800" y="2667000"/>
+            <a:ext cx="2942877" cy="2590800"/>
+            <a:chOff x="6019800" y="2667000"/>
+            <a:chExt cx="2942877" cy="2590800"/>
+          </a:xfrm>
+        </p:grpSpPr>
+        <p:cxnSp>
+          <p:nvCxnSpPr>
+            <p:cNvPr id="6" name="Straight Arrow Connector 5">
+              <a:extLst>
+                <a:ext uri="{FF2B5EF4-FFF2-40B4-BE49-F238E27FC236}">
+                  <a16:creationId xmlns:a16="http://schemas.microsoft.com/office/drawing/2014/main" id="{8C6B602E-6D49-69D9-A2DD-2524E6538079}"/>
+                </a:ext>
+              </a:extLst>
+            </p:cNvPr>
+            <p:cNvCxnSpPr>
+              <a:cxnSpLocks/>
+            </p:cNvCxnSpPr>
+            <p:nvPr/>
+          </p:nvCxnSpPr>
+          <p:spPr>
+            <a:xfrm>
+              <a:off x="6666792" y="2667000"/>
+              <a:ext cx="0" cy="2590800"/>
+            </a:xfrm>
+            <a:prstGeom prst="straightConnector1">
+              <a:avLst/>
+            </a:prstGeom>
+            <a:ln>
+              <a:headEnd type="triangle"/>
+              <a:tailEnd type="triangle"/>
+            </a:ln>
+          </p:spPr>
+          <p:style>
+            <a:lnRef idx="3">
+              <a:schemeClr val="dk1"/>
+            </a:lnRef>
+            <a:fillRef idx="0">
+              <a:schemeClr val="dk1"/>
+            </a:fillRef>
+            <a:effectRef idx="2">
+              <a:schemeClr val="dk1"/>
+            </a:effectRef>
+            <a:fontRef idx="minor">
+              <a:schemeClr val="tx1"/>
+            </a:fontRef>
+          </p:style>
+        </p:cxnSp>
+        <p:cxnSp>
+          <p:nvCxnSpPr>
+            <p:cNvPr id="7" name="Straight Arrow Connector 6">
+              <a:extLst>
+                <a:ext uri="{FF2B5EF4-FFF2-40B4-BE49-F238E27FC236}">
+                  <a16:creationId xmlns:a16="http://schemas.microsoft.com/office/drawing/2014/main" id="{62BDB3D0-8349-242B-6183-2B3615314A48}"/>
+                </a:ext>
+              </a:extLst>
+            </p:cNvPr>
+            <p:cNvCxnSpPr>
+              <a:cxnSpLocks/>
+            </p:cNvCxnSpPr>
+            <p:nvPr/>
+          </p:nvCxnSpPr>
+          <p:spPr>
+            <a:xfrm>
+              <a:off x="6666792" y="4572000"/>
+              <a:ext cx="1752600" cy="0"/>
+            </a:xfrm>
+            <a:prstGeom prst="straightConnector1">
+              <a:avLst/>
+            </a:prstGeom>
+            <a:ln>
+              <a:tailEnd type="triangle"/>
+            </a:ln>
+          </p:spPr>
+          <p:style>
+            <a:lnRef idx="3">
+              <a:schemeClr val="dk1"/>
+            </a:lnRef>
+            <a:fillRef idx="0">
+              <a:schemeClr val="dk1"/>
+            </a:fillRef>
+            <a:effectRef idx="2">
+              <a:schemeClr val="dk1"/>
+            </a:effectRef>
+            <a:fontRef idx="minor">
+              <a:schemeClr val="tx1"/>
+            </a:fontRef>
+          </p:style>
+        </p:cxnSp>
+        <p:sp>
+          <p:nvSpPr>
+            <p:cNvPr id="8" name="TextBox 7">
+              <a:extLst>
+                <a:ext uri="{FF2B5EF4-FFF2-40B4-BE49-F238E27FC236}">
+                  <a16:creationId xmlns:a16="http://schemas.microsoft.com/office/drawing/2014/main" id="{6DEFF2FD-D7F3-2F1E-252A-24A8ED8A6E1D}"/>
+                </a:ext>
+              </a:extLst>
+            </p:cNvPr>
+            <p:cNvSpPr txBox="1"/>
+            <p:nvPr/>
+          </p:nvSpPr>
+          <p:spPr>
+            <a:xfrm>
+              <a:off x="6019800" y="3708484"/>
+              <a:ext cx="572464" cy="507831"/>
+            </a:xfrm>
+            <a:prstGeom prst="rect">
+              <a:avLst/>
+            </a:prstGeom>
+            <a:noFill/>
+          </p:spPr>
+          <p:txBody>
+            <a:bodyPr wrap="none" rtlCol="0">
+              <a:spAutoFit/>
+            </a:bodyPr>
+            <a:lstStyle/>
+            <a:p>
+              <a:pPr algn="ctr" defTabSz="685800"/>
+              <a:r>
+                <a:rPr lang="en-US" sz="1350" dirty="0">
+                  <a:solidFill>
+                    <a:prstClr val="black"/>
+                  </a:solidFill>
+                </a:rPr>
+                <a:t>Force</a:t>
+              </a:r>
+            </a:p>
+            <a:p>
+              <a:pPr algn="ctr" defTabSz="685800"/>
+              <a:r>
+                <a:rPr lang="en-US" sz="1350" dirty="0">
+                  <a:solidFill>
+                    <a:prstClr val="black"/>
+                  </a:solidFill>
+                </a:rPr>
+                <a:t>(kN)</a:t>
+              </a:r>
+            </a:p>
+          </p:txBody>
+        </p:sp>
+        <p:sp>
+          <p:nvSpPr>
+            <p:cNvPr id="9" name="TextBox 8">
+              <a:extLst>
+                <a:ext uri="{FF2B5EF4-FFF2-40B4-BE49-F238E27FC236}">
+                  <a16:creationId xmlns:a16="http://schemas.microsoft.com/office/drawing/2014/main" id="{D8A21A50-B078-4E0C-8F9E-B664C904BE83}"/>
+                </a:ext>
+              </a:extLst>
+            </p:cNvPr>
+            <p:cNvSpPr txBox="1"/>
+            <p:nvPr/>
+          </p:nvSpPr>
+          <p:spPr>
+            <a:xfrm>
+              <a:off x="8428556" y="4292172"/>
+              <a:ext cx="534121" cy="507831"/>
+            </a:xfrm>
+            <a:prstGeom prst="rect">
+              <a:avLst/>
+            </a:prstGeom>
+            <a:noFill/>
+          </p:spPr>
+          <p:txBody>
+            <a:bodyPr wrap="none" rtlCol="0">
+              <a:spAutoFit/>
+            </a:bodyPr>
+            <a:lstStyle/>
+            <a:p>
+              <a:pPr algn="ctr" defTabSz="685800"/>
+              <a:r>
+                <a:rPr lang="en-US" sz="1350" dirty="0">
+                  <a:solidFill>
+                    <a:prstClr val="black"/>
+                  </a:solidFill>
+                  <a:latin typeface="Calibri" panose="020F0502020204030204"/>
+                </a:rPr>
+                <a:t>Time</a:t>
+              </a:r>
+            </a:p>
+            <a:p>
+              <a:pPr algn="ctr" defTabSz="685800"/>
+              <a:r>
+                <a:rPr lang="en-US" sz="1350" dirty="0">
+                  <a:solidFill>
+                    <a:prstClr val="black"/>
+                  </a:solidFill>
+                  <a:latin typeface="Calibri" panose="020F0502020204030204"/>
+                </a:rPr>
+                <a:t>(s)</a:t>
+              </a:r>
+            </a:p>
+          </p:txBody>
+        </p:sp>
+        <p:cxnSp>
+          <p:nvCxnSpPr>
+            <p:cNvPr id="10" name="Straight Connector 9">
+              <a:extLst>
+                <a:ext uri="{FF2B5EF4-FFF2-40B4-BE49-F238E27FC236}">
+                  <a16:creationId xmlns:a16="http://schemas.microsoft.com/office/drawing/2014/main" id="{DC02A3F0-EF01-D4B4-85A3-AA21B936FAE3}"/>
+                </a:ext>
+              </a:extLst>
+            </p:cNvPr>
+            <p:cNvCxnSpPr>
+              <a:cxnSpLocks/>
+            </p:cNvCxnSpPr>
+            <p:nvPr/>
+          </p:nvCxnSpPr>
+          <p:spPr>
+            <a:xfrm flipH="1" flipV="1">
+              <a:off x="7119687" y="3086229"/>
+              <a:ext cx="690105" cy="1485771"/>
+            </a:xfrm>
+            <a:prstGeom prst="line">
+              <a:avLst/>
+            </a:prstGeom>
+            <a:ln w="38100">
+              <a:solidFill>
+                <a:srgbClr val="FF0000"/>
+              </a:solidFill>
+            </a:ln>
+          </p:spPr>
+          <p:style>
+            <a:lnRef idx="3">
+              <a:schemeClr val="dk1"/>
+            </a:lnRef>
+            <a:fillRef idx="0">
+              <a:schemeClr val="dk1"/>
+            </a:fillRef>
+            <a:effectRef idx="2">
+              <a:schemeClr val="dk1"/>
+            </a:effectRef>
+            <a:fontRef idx="minor">
+              <a:schemeClr val="tx1"/>
+            </a:fontRef>
+          </p:style>
+        </p:cxnSp>
+        <p:cxnSp>
+          <p:nvCxnSpPr>
+            <p:cNvPr id="16" name="Straight Connector 15">
+              <a:extLst>
+                <a:ext uri="{FF2B5EF4-FFF2-40B4-BE49-F238E27FC236}">
+                  <a16:creationId xmlns:a16="http://schemas.microsoft.com/office/drawing/2014/main" id="{F171BE92-5147-6673-5880-AD25144B33A9}"/>
+                </a:ext>
+              </a:extLst>
+            </p:cNvPr>
+            <p:cNvCxnSpPr>
+              <a:cxnSpLocks/>
+            </p:cNvCxnSpPr>
+            <p:nvPr/>
+          </p:nvCxnSpPr>
+          <p:spPr>
+            <a:xfrm flipH="1">
+              <a:off x="6666792" y="3086229"/>
+              <a:ext cx="452895" cy="1485771"/>
+            </a:xfrm>
+            <a:prstGeom prst="line">
+              <a:avLst/>
+            </a:prstGeom>
+            <a:ln w="38100">
+              <a:solidFill>
+                <a:srgbClr val="FF0000"/>
+              </a:solidFill>
+            </a:ln>
+          </p:spPr>
+          <p:style>
+            <a:lnRef idx="3">
+              <a:schemeClr val="dk1"/>
+            </a:lnRef>
+            <a:fillRef idx="0">
+              <a:schemeClr val="dk1"/>
+            </a:fillRef>
+            <a:effectRef idx="2">
+              <a:schemeClr val="dk1"/>
+            </a:effectRef>
+            <a:fontRef idx="minor">
+              <a:schemeClr val="tx1"/>
+            </a:fontRef>
+          </p:style>
+        </p:cxnSp>
+      </p:grpSp>
     </p:spTree>
     <p:extLst>
       <p:ext uri="{BB962C8B-B14F-4D97-AF65-F5344CB8AC3E}">
-        <p14:creationId xmlns:p14="http://schemas.microsoft.com/office/powerpoint/2010/main" val="3054484034"/>
+        <p14:creationId xmlns:p14="http://schemas.microsoft.com/office/powerpoint/2010/main" val="704326384"/>
       </p:ext>
     </p:extLst>
   </p:cSld>
@@ -7250,7 +5996,7 @@
                             </p:stCondLst>
                             <p:childTnLst>
                               <p:par>
-                                <p:cTn id="21" presetID="1" presetClass="entr" presetSubtype="0" fill="hold" grpId="0" nodeType="clickEffect">
+                                <p:cTn id="21" presetID="10" presetClass="entr" presetSubtype="0" fill="hold" nodeType="clickEffect">
                                   <p:stCondLst>
                                     <p:cond delay="0"/>
                                   </p:stCondLst>
@@ -7258,6 +6004,112 @@
                                     <p:set>
                                       <p:cBhvr>
                                         <p:cTn id="22" dur="1" fill="hold">
+                                          <p:stCondLst>
+                                            <p:cond delay="0"/>
+                                          </p:stCondLst>
+                                        </p:cTn>
+                                        <p:tgtEl>
+                                          <p:spTgt spid="21"/>
+                                        </p:tgtEl>
+                                        <p:attrNameLst>
+                                          <p:attrName>style.visibility</p:attrName>
+                                        </p:attrNameLst>
+                                      </p:cBhvr>
+                                      <p:to>
+                                        <p:strVal val="visible"/>
+                                      </p:to>
+                                    </p:set>
+                                    <p:animEffect transition="in" filter="fade">
+                                      <p:cBhvr>
+                                        <p:cTn id="23" dur="500"/>
+                                        <p:tgtEl>
+                                          <p:spTgt spid="21"/>
+                                        </p:tgtEl>
+                                      </p:cBhvr>
+                                    </p:animEffect>
+                                  </p:childTnLst>
+                                </p:cTn>
+                              </p:par>
+                            </p:childTnLst>
+                          </p:cTn>
+                        </p:par>
+                      </p:childTnLst>
+                    </p:cTn>
+                  </p:par>
+                  <p:par>
+                    <p:cTn id="24" fill="hold">
+                      <p:stCondLst>
+                        <p:cond delay="indefinite"/>
+                      </p:stCondLst>
+                      <p:childTnLst>
+                        <p:par>
+                          <p:cTn id="25" fill="hold">
+                            <p:stCondLst>
+                              <p:cond delay="0"/>
+                            </p:stCondLst>
+                            <p:childTnLst>
+                              <p:par>
+                                <p:cTn id="26" presetID="10" presetClass="entr" presetSubtype="0" fill="hold" grpId="0" nodeType="clickEffect">
+                                  <p:stCondLst>
+                                    <p:cond delay="0"/>
+                                  </p:stCondLst>
+                                  <p:childTnLst>
+                                    <p:set>
+                                      <p:cBhvr>
+                                        <p:cTn id="27" dur="1" fill="hold">
+                                          <p:stCondLst>
+                                            <p:cond delay="0"/>
+                                          </p:stCondLst>
+                                        </p:cTn>
+                                        <p:tgtEl>
+                                          <p:spTgt spid="20"/>
+                                        </p:tgtEl>
+                                        <p:attrNameLst>
+                                          <p:attrName>style.visibility</p:attrName>
+                                        </p:attrNameLst>
+                                      </p:cBhvr>
+                                      <p:to>
+                                        <p:strVal val="visible"/>
+                                      </p:to>
+                                    </p:set>
+                                    <p:animEffect transition="in" filter="fade">
+                                      <p:cBhvr>
+                                        <p:cTn id="28" dur="500"/>
+                                        <p:tgtEl>
+                                          <p:spTgt spid="20"/>
+                                        </p:tgtEl>
+                                      </p:cBhvr>
+                                    </p:animEffect>
+                                  </p:childTnLst>
+                                </p:cTn>
+                              </p:par>
+                            </p:childTnLst>
+                          </p:cTn>
+                        </p:par>
+                      </p:childTnLst>
+                    </p:cTn>
+                  </p:par>
+                  <p:par>
+                    <p:cTn id="29" fill="hold">
+                      <p:stCondLst>
+                        <p:cond delay="indefinite"/>
+                      </p:stCondLst>
+                      <p:childTnLst>
+                        <p:par>
+                          <p:cTn id="30" fill="hold">
+                            <p:stCondLst>
+                              <p:cond delay="0"/>
+                            </p:stCondLst>
+                            <p:childTnLst>
+                              <p:par>
+                                <p:cTn id="31" presetID="1" presetClass="entr" presetSubtype="0" fill="hold" grpId="0" nodeType="clickEffect">
+                                  <p:stCondLst>
+                                    <p:cond delay="0"/>
+                                  </p:stCondLst>
+                                  <p:childTnLst>
+                                    <p:set>
+                                      <p:cBhvr>
+                                        <p:cTn id="32" dur="1" fill="hold">
                                           <p:stCondLst>
                                             <p:cond delay="0"/>
                                           </p:stCondLst>
@@ -7308,13 +6160,635 @@
       </p:par>
     </p:tnLst>
     <p:bldLst>
-      <p:bldP spid="3" grpId="0" build="p"/>
+      <p:bldP spid="20" grpId="0" animBg="1"/>
+      <p:bldP spid="3" grpId="0" uiExpand="1" build="p"/>
     </p:bldLst>
   </p:timing>
 </p:sld>
 </file>
 
 <file path=ppt/slides/slide5.xml><?xml version="1.0" encoding="utf-8"?>
+<p:sld xmlns:a="http://schemas.openxmlformats.org/drawingml/2006/main" xmlns:r="http://schemas.openxmlformats.org/officeDocument/2006/relationships" xmlns:p="http://schemas.openxmlformats.org/presentationml/2006/main">
+  <p:cSld>
+    <p:spTree>
+      <p:nvGrpSpPr>
+        <p:cNvPr id="1" name=""/>
+        <p:cNvGrpSpPr/>
+        <p:nvPr/>
+      </p:nvGrpSpPr>
+      <p:grpSpPr>
+        <a:xfrm>
+          <a:off x="0" y="0"/>
+          <a:ext cx="0" cy="0"/>
+          <a:chOff x="0" y="0"/>
+          <a:chExt cx="0" cy="0"/>
+        </a:xfrm>
+      </p:grpSpPr>
+      <p:sp>
+        <p:nvSpPr>
+          <p:cNvPr id="2" name="Title 1">
+            <a:extLst>
+              <a:ext uri="{FF2B5EF4-FFF2-40B4-BE49-F238E27FC236}">
+                <a16:creationId xmlns:a16="http://schemas.microsoft.com/office/drawing/2014/main" id="{FAA5A011-644C-16DA-EC51-0402BA3C6E22}"/>
+              </a:ext>
+            </a:extLst>
+          </p:cNvPr>
+          <p:cNvSpPr>
+            <a:spLocks noGrp="1"/>
+          </p:cNvSpPr>
+          <p:nvPr>
+            <p:ph type="title"/>
+          </p:nvPr>
+        </p:nvSpPr>
+        <p:spPr/>
+        <p:txBody>
+          <a:bodyPr/>
+          <a:lstStyle/>
+          <a:p>
+            <a:r>
+              <a:rPr lang="en-US" dirty="0"/>
+              <a:t>Impulsive Forces</a:t>
+            </a:r>
+          </a:p>
+        </p:txBody>
+      </p:sp>
+      <p:sp>
+        <p:nvSpPr>
+          <p:cNvPr id="3" name="Content Placeholder 2">
+            <a:extLst>
+              <a:ext uri="{FF2B5EF4-FFF2-40B4-BE49-F238E27FC236}">
+                <a16:creationId xmlns:a16="http://schemas.microsoft.com/office/drawing/2014/main" id="{B1E5AE15-F9BC-0BDB-B74B-8CA68659A045}"/>
+              </a:ext>
+            </a:extLst>
+          </p:cNvPr>
+          <p:cNvSpPr>
+            <a:spLocks noGrp="1"/>
+          </p:cNvSpPr>
+          <p:nvPr>
+            <p:ph idx="1"/>
+          </p:nvPr>
+        </p:nvSpPr>
+        <p:spPr>
+          <a:xfrm>
+            <a:off x="457200" y="1600200"/>
+            <a:ext cx="5486400" cy="4983162"/>
+          </a:xfrm>
+        </p:spPr>
+        <p:txBody>
+          <a:bodyPr>
+            <a:normAutofit fontScale="85000" lnSpcReduction="20000"/>
+          </a:bodyPr>
+          <a:lstStyle/>
+          <a:p>
+            <a:r>
+              <a:rPr lang="en-US" dirty="0"/>
+              <a:t>We will often use the impulse momentum equations in instances where we have </a:t>
+            </a:r>
+            <a:r>
+              <a:rPr lang="en-US" b="1" dirty="0"/>
+              <a:t>impulsive forces</a:t>
+            </a:r>
+            <a:r>
+              <a:rPr lang="en-US" dirty="0"/>
+              <a:t>.</a:t>
+            </a:r>
+          </a:p>
+          <a:p>
+            <a:r>
+              <a:rPr lang="en-US" dirty="0"/>
+              <a:t>These are forces that have a very </a:t>
+            </a:r>
+            <a:r>
+              <a:rPr lang="en-US" b="1" dirty="0"/>
+              <a:t>large magnitude</a:t>
+            </a:r>
+            <a:r>
+              <a:rPr lang="en-US" dirty="0"/>
+              <a:t> but are exerted for a very </a:t>
+            </a:r>
+            <a:r>
+              <a:rPr lang="en-US" b="1" dirty="0"/>
+              <a:t>short period of time</a:t>
+            </a:r>
+            <a:r>
+              <a:rPr lang="en-US" dirty="0"/>
+              <a:t>.</a:t>
+            </a:r>
+          </a:p>
+          <a:p>
+            <a:pPr lvl="1"/>
+            <a:r>
+              <a:rPr lang="en-US" dirty="0"/>
+              <a:t>Impact or collision forces are usually impulsive forces.</a:t>
+            </a:r>
+          </a:p>
+          <a:p>
+            <a:r>
+              <a:rPr lang="en-US" dirty="0"/>
+              <a:t>For forces that only last milliseconds, it can be very difficult to directly measure them.</a:t>
+            </a:r>
+          </a:p>
+          <a:p>
+            <a:r>
+              <a:rPr lang="en-US" dirty="0"/>
+              <a:t>The impulse-momentum equations can deal with the uncertainty of these forces, as we will see later.</a:t>
+            </a:r>
+          </a:p>
+        </p:txBody>
+      </p:sp>
+      <p:sp>
+        <p:nvSpPr>
+          <p:cNvPr id="4" name="Slide Number Placeholder 3">
+            <a:extLst>
+              <a:ext uri="{FF2B5EF4-FFF2-40B4-BE49-F238E27FC236}">
+                <a16:creationId xmlns:a16="http://schemas.microsoft.com/office/drawing/2014/main" id="{6EEE8F4A-FAE1-5D5A-0D6C-047DA0304A41}"/>
+              </a:ext>
+            </a:extLst>
+          </p:cNvPr>
+          <p:cNvSpPr>
+            <a:spLocks noGrp="1"/>
+          </p:cNvSpPr>
+          <p:nvPr>
+            <p:ph type="sldNum" sz="quarter" idx="12"/>
+          </p:nvPr>
+        </p:nvSpPr>
+        <p:spPr/>
+        <p:txBody>
+          <a:bodyPr/>
+          <a:lstStyle/>
+          <a:p>
+            <a:fld id="{929262FE-7F58-4A1E-8AF3-5A510A86DEBD}" type="slidenum">
+              <a:rPr lang="en-US" smtClean="0"/>
+              <a:t>5</a:t>
+            </a:fld>
+            <a:endParaRPr lang="en-US" dirty="0"/>
+          </a:p>
+        </p:txBody>
+      </p:sp>
+      <p:pic>
+        <p:nvPicPr>
+          <p:cNvPr id="1026" name="Picture 2" descr="A tennis player hitting a ball">
+            <a:extLst>
+              <a:ext uri="{FF2B5EF4-FFF2-40B4-BE49-F238E27FC236}">
+                <a16:creationId xmlns:a16="http://schemas.microsoft.com/office/drawing/2014/main" id="{8FE8B490-5F5A-69E9-E15B-4986A30C777F}"/>
+              </a:ext>
+            </a:extLst>
+          </p:cNvPr>
+          <p:cNvPicPr>
+            <a:picLocks noChangeAspect="1" noChangeArrowheads="1"/>
+          </p:cNvPicPr>
+          <p:nvPr/>
+        </p:nvPicPr>
+        <p:blipFill>
+          <a:blip r:embed="rId2">
+            <a:extLst>
+              <a:ext uri="{28A0092B-C50C-407E-A947-70E740481C1C}">
+                <a14:useLocalDpi xmlns:a14="http://schemas.microsoft.com/office/drawing/2010/main" val="0"/>
+              </a:ext>
+            </a:extLst>
+          </a:blip>
+          <a:srcRect/>
+          <a:stretch>
+            <a:fillRect/>
+          </a:stretch>
+        </p:blipFill>
+        <p:spPr bwMode="auto">
+          <a:xfrm>
+            <a:off x="6096000" y="1885950"/>
+            <a:ext cx="2463800" cy="3695700"/>
+          </a:xfrm>
+          <a:prstGeom prst="rect">
+            <a:avLst/>
+          </a:prstGeom>
+          <a:noFill/>
+          <a:extLst>
+            <a:ext uri="{909E8E84-426E-40DD-AFC4-6F175D3DCCD1}">
+              <a14:hiddenFill xmlns:a14="http://schemas.microsoft.com/office/drawing/2010/main">
+                <a:solidFill>
+                  <a:srgbClr val="FFFFFF"/>
+                </a:solidFill>
+              </a14:hiddenFill>
+            </a:ext>
+          </a:extLst>
+        </p:spPr>
+      </p:pic>
+      <p:sp>
+        <p:nvSpPr>
+          <p:cNvPr id="5" name="TextBox 4">
+            <a:extLst>
+              <a:ext uri="{FF2B5EF4-FFF2-40B4-BE49-F238E27FC236}">
+                <a16:creationId xmlns:a16="http://schemas.microsoft.com/office/drawing/2014/main" id="{F3B9A23B-BAEA-C92F-C139-E813BFDE518A}"/>
+              </a:ext>
+            </a:extLst>
+          </p:cNvPr>
+          <p:cNvSpPr txBox="1"/>
+          <p:nvPr/>
+        </p:nvSpPr>
+        <p:spPr>
+          <a:xfrm>
+            <a:off x="6210300" y="5525869"/>
+            <a:ext cx="2819400" cy="646331"/>
+          </a:xfrm>
+          <a:prstGeom prst="rect">
+            <a:avLst/>
+          </a:prstGeom>
+          <a:noFill/>
+        </p:spPr>
+        <p:txBody>
+          <a:bodyPr wrap="square" rtlCol="0">
+            <a:spAutoFit/>
+          </a:bodyPr>
+          <a:lstStyle/>
+          <a:p>
+            <a:r>
+              <a:rPr lang="en-US"/>
+              <a:t>Photo by DAVID ILIFF. License: CC BY-SA 3.0</a:t>
+            </a:r>
+            <a:endParaRPr lang="en-US" dirty="0"/>
+          </a:p>
+        </p:txBody>
+      </p:sp>
+    </p:spTree>
+    <p:extLst>
+      <p:ext uri="{BB962C8B-B14F-4D97-AF65-F5344CB8AC3E}">
+        <p14:creationId xmlns:p14="http://schemas.microsoft.com/office/powerpoint/2010/main" val="1318819125"/>
+      </p:ext>
+    </p:extLst>
+  </p:cSld>
+  <p:clrMapOvr>
+    <a:masterClrMapping/>
+  </p:clrMapOvr>
+  <p:timing>
+    <p:tnLst>
+      <p:par>
+        <p:cTn id="1" dur="indefinite" restart="never" nodeType="tmRoot">
+          <p:childTnLst>
+            <p:seq concurrent="1" nextAc="seek">
+              <p:cTn id="2" dur="indefinite" nodeType="mainSeq">
+                <p:childTnLst>
+                  <p:par>
+                    <p:cTn id="3" fill="hold">
+                      <p:stCondLst>
+                        <p:cond delay="indefinite"/>
+                      </p:stCondLst>
+                      <p:childTnLst>
+                        <p:par>
+                          <p:cTn id="4" fill="hold">
+                            <p:stCondLst>
+                              <p:cond delay="0"/>
+                            </p:stCondLst>
+                            <p:childTnLst>
+                              <p:par>
+                                <p:cTn id="5" presetID="1" presetClass="entr" presetSubtype="0" fill="hold" grpId="0" nodeType="clickEffect">
+                                  <p:stCondLst>
+                                    <p:cond delay="0"/>
+                                  </p:stCondLst>
+                                  <p:childTnLst>
+                                    <p:set>
+                                      <p:cBhvr>
+                                        <p:cTn id="6" dur="1" fill="hold">
+                                          <p:stCondLst>
+                                            <p:cond delay="0"/>
+                                          </p:stCondLst>
+                                        </p:cTn>
+                                        <p:tgtEl>
+                                          <p:spTgt spid="3">
+                                            <p:txEl>
+                                              <p:pRg st="0" end="0"/>
+                                            </p:txEl>
+                                          </p:spTgt>
+                                        </p:tgtEl>
+                                        <p:attrNameLst>
+                                          <p:attrName>style.visibility</p:attrName>
+                                        </p:attrNameLst>
+                                      </p:cBhvr>
+                                      <p:to>
+                                        <p:strVal val="visible"/>
+                                      </p:to>
+                                    </p:set>
+                                  </p:childTnLst>
+                                </p:cTn>
+                              </p:par>
+                            </p:childTnLst>
+                          </p:cTn>
+                        </p:par>
+                      </p:childTnLst>
+                    </p:cTn>
+                  </p:par>
+                  <p:par>
+                    <p:cTn id="7" fill="hold">
+                      <p:stCondLst>
+                        <p:cond delay="indefinite"/>
+                      </p:stCondLst>
+                      <p:childTnLst>
+                        <p:par>
+                          <p:cTn id="8" fill="hold">
+                            <p:stCondLst>
+                              <p:cond delay="0"/>
+                            </p:stCondLst>
+                            <p:childTnLst>
+                              <p:par>
+                                <p:cTn id="9" presetID="1" presetClass="entr" presetSubtype="0" fill="hold" grpId="0" nodeType="clickEffect">
+                                  <p:stCondLst>
+                                    <p:cond delay="0"/>
+                                  </p:stCondLst>
+                                  <p:childTnLst>
+                                    <p:set>
+                                      <p:cBhvr>
+                                        <p:cTn id="10" dur="1" fill="hold">
+                                          <p:stCondLst>
+                                            <p:cond delay="0"/>
+                                          </p:stCondLst>
+                                        </p:cTn>
+                                        <p:tgtEl>
+                                          <p:spTgt spid="3">
+                                            <p:txEl>
+                                              <p:pRg st="1" end="1"/>
+                                            </p:txEl>
+                                          </p:spTgt>
+                                        </p:tgtEl>
+                                        <p:attrNameLst>
+                                          <p:attrName>style.visibility</p:attrName>
+                                        </p:attrNameLst>
+                                      </p:cBhvr>
+                                      <p:to>
+                                        <p:strVal val="visible"/>
+                                      </p:to>
+                                    </p:set>
+                                  </p:childTnLst>
+                                </p:cTn>
+                              </p:par>
+                            </p:childTnLst>
+                          </p:cTn>
+                        </p:par>
+                      </p:childTnLst>
+                    </p:cTn>
+                  </p:par>
+                  <p:par>
+                    <p:cTn id="11" fill="hold">
+                      <p:stCondLst>
+                        <p:cond delay="indefinite"/>
+                      </p:stCondLst>
+                      <p:childTnLst>
+                        <p:par>
+                          <p:cTn id="12" fill="hold">
+                            <p:stCondLst>
+                              <p:cond delay="0"/>
+                            </p:stCondLst>
+                            <p:childTnLst>
+                              <p:par>
+                                <p:cTn id="13" presetID="1" presetClass="entr" presetSubtype="0" fill="hold" grpId="0" nodeType="clickEffect">
+                                  <p:stCondLst>
+                                    <p:cond delay="0"/>
+                                  </p:stCondLst>
+                                  <p:childTnLst>
+                                    <p:set>
+                                      <p:cBhvr>
+                                        <p:cTn id="14" dur="1" fill="hold">
+                                          <p:stCondLst>
+                                            <p:cond delay="0"/>
+                                          </p:stCondLst>
+                                        </p:cTn>
+                                        <p:tgtEl>
+                                          <p:spTgt spid="3">
+                                            <p:txEl>
+                                              <p:pRg st="2" end="2"/>
+                                            </p:txEl>
+                                          </p:spTgt>
+                                        </p:tgtEl>
+                                        <p:attrNameLst>
+                                          <p:attrName>style.visibility</p:attrName>
+                                        </p:attrNameLst>
+                                      </p:cBhvr>
+                                      <p:to>
+                                        <p:strVal val="visible"/>
+                                      </p:to>
+                                    </p:set>
+                                  </p:childTnLst>
+                                </p:cTn>
+                              </p:par>
+                            </p:childTnLst>
+                          </p:cTn>
+                        </p:par>
+                      </p:childTnLst>
+                    </p:cTn>
+                  </p:par>
+                  <p:par>
+                    <p:cTn id="15" fill="hold">
+                      <p:stCondLst>
+                        <p:cond delay="indefinite"/>
+                      </p:stCondLst>
+                      <p:childTnLst>
+                        <p:par>
+                          <p:cTn id="16" fill="hold">
+                            <p:stCondLst>
+                              <p:cond delay="0"/>
+                            </p:stCondLst>
+                            <p:childTnLst>
+                              <p:par>
+                                <p:cTn id="17" presetID="10" presetClass="entr" presetSubtype="0" fill="hold" nodeType="clickEffect">
+                                  <p:stCondLst>
+                                    <p:cond delay="0"/>
+                                  </p:stCondLst>
+                                  <p:childTnLst>
+                                    <p:set>
+                                      <p:cBhvr>
+                                        <p:cTn id="18" dur="1" fill="hold">
+                                          <p:stCondLst>
+                                            <p:cond delay="0"/>
+                                          </p:stCondLst>
+                                        </p:cTn>
+                                        <p:tgtEl>
+                                          <p:spTgt spid="1026"/>
+                                        </p:tgtEl>
+                                        <p:attrNameLst>
+                                          <p:attrName>style.visibility</p:attrName>
+                                        </p:attrNameLst>
+                                      </p:cBhvr>
+                                      <p:to>
+                                        <p:strVal val="visible"/>
+                                      </p:to>
+                                    </p:set>
+                                    <p:animEffect transition="in" filter="fade">
+                                      <p:cBhvr>
+                                        <p:cTn id="19" dur="500"/>
+                                        <p:tgtEl>
+                                          <p:spTgt spid="1026"/>
+                                        </p:tgtEl>
+                                      </p:cBhvr>
+                                    </p:animEffect>
+                                  </p:childTnLst>
+                                </p:cTn>
+                              </p:par>
+                              <p:par>
+                                <p:cTn id="20" presetID="10" presetClass="entr" presetSubtype="0" fill="hold" grpId="0" nodeType="withEffect">
+                                  <p:stCondLst>
+                                    <p:cond delay="0"/>
+                                  </p:stCondLst>
+                                  <p:childTnLst>
+                                    <p:set>
+                                      <p:cBhvr>
+                                        <p:cTn id="21" dur="1" fill="hold">
+                                          <p:stCondLst>
+                                            <p:cond delay="0"/>
+                                          </p:stCondLst>
+                                        </p:cTn>
+                                        <p:tgtEl>
+                                          <p:spTgt spid="5"/>
+                                        </p:tgtEl>
+                                        <p:attrNameLst>
+                                          <p:attrName>style.visibility</p:attrName>
+                                        </p:attrNameLst>
+                                      </p:cBhvr>
+                                      <p:to>
+                                        <p:strVal val="visible"/>
+                                      </p:to>
+                                    </p:set>
+                                    <p:animEffect transition="in" filter="fade">
+                                      <p:cBhvr>
+                                        <p:cTn id="22" dur="500"/>
+                                        <p:tgtEl>
+                                          <p:spTgt spid="5"/>
+                                        </p:tgtEl>
+                                      </p:cBhvr>
+                                    </p:animEffect>
+                                  </p:childTnLst>
+                                </p:cTn>
+                              </p:par>
+                            </p:childTnLst>
+                          </p:cTn>
+                        </p:par>
+                      </p:childTnLst>
+                    </p:cTn>
+                  </p:par>
+                  <p:par>
+                    <p:cTn id="23" fill="hold">
+                      <p:stCondLst>
+                        <p:cond delay="indefinite"/>
+                      </p:stCondLst>
+                      <p:childTnLst>
+                        <p:par>
+                          <p:cTn id="24" fill="hold">
+                            <p:stCondLst>
+                              <p:cond delay="0"/>
+                            </p:stCondLst>
+                            <p:childTnLst>
+                              <p:par>
+                                <p:cTn id="25" presetID="1" presetClass="entr" presetSubtype="0" fill="hold" grpId="0" nodeType="clickEffect">
+                                  <p:stCondLst>
+                                    <p:cond delay="0"/>
+                                  </p:stCondLst>
+                                  <p:childTnLst>
+                                    <p:set>
+                                      <p:cBhvr>
+                                        <p:cTn id="26" dur="1" fill="hold">
+                                          <p:stCondLst>
+                                            <p:cond delay="0"/>
+                                          </p:stCondLst>
+                                        </p:cTn>
+                                        <p:tgtEl>
+                                          <p:spTgt spid="3">
+                                            <p:txEl>
+                                              <p:pRg st="3" end="3"/>
+                                            </p:txEl>
+                                          </p:spTgt>
+                                        </p:tgtEl>
+                                        <p:attrNameLst>
+                                          <p:attrName>style.visibility</p:attrName>
+                                        </p:attrNameLst>
+                                      </p:cBhvr>
+                                      <p:to>
+                                        <p:strVal val="visible"/>
+                                      </p:to>
+                                    </p:set>
+                                  </p:childTnLst>
+                                </p:cTn>
+                              </p:par>
+                            </p:childTnLst>
+                          </p:cTn>
+                        </p:par>
+                      </p:childTnLst>
+                    </p:cTn>
+                  </p:par>
+                  <p:par>
+                    <p:cTn id="27" fill="hold">
+                      <p:stCondLst>
+                        <p:cond delay="indefinite"/>
+                      </p:stCondLst>
+                      <p:childTnLst>
+                        <p:par>
+                          <p:cTn id="28" fill="hold">
+                            <p:stCondLst>
+                              <p:cond delay="0"/>
+                            </p:stCondLst>
+                            <p:childTnLst>
+                              <p:par>
+                                <p:cTn id="29" presetID="1" presetClass="entr" presetSubtype="0" fill="hold" grpId="0" nodeType="clickEffect">
+                                  <p:stCondLst>
+                                    <p:cond delay="0"/>
+                                  </p:stCondLst>
+                                  <p:childTnLst>
+                                    <p:set>
+                                      <p:cBhvr>
+                                        <p:cTn id="30" dur="1" fill="hold">
+                                          <p:stCondLst>
+                                            <p:cond delay="0"/>
+                                          </p:stCondLst>
+                                        </p:cTn>
+                                        <p:tgtEl>
+                                          <p:spTgt spid="3">
+                                            <p:txEl>
+                                              <p:pRg st="4" end="4"/>
+                                            </p:txEl>
+                                          </p:spTgt>
+                                        </p:tgtEl>
+                                        <p:attrNameLst>
+                                          <p:attrName>style.visibility</p:attrName>
+                                        </p:attrNameLst>
+                                      </p:cBhvr>
+                                      <p:to>
+                                        <p:strVal val="visible"/>
+                                      </p:to>
+                                    </p:set>
+                                  </p:childTnLst>
+                                </p:cTn>
+                              </p:par>
+                            </p:childTnLst>
+                          </p:cTn>
+                        </p:par>
+                      </p:childTnLst>
+                    </p:cTn>
+                  </p:par>
+                </p:childTnLst>
+              </p:cTn>
+              <p:prevCondLst>
+                <p:cond evt="onPrev" delay="0">
+                  <p:tgtEl>
+                    <p:sldTgt/>
+                  </p:tgtEl>
+                </p:cond>
+              </p:prevCondLst>
+              <p:nextCondLst>
+                <p:cond evt="onNext" delay="0">
+                  <p:tgtEl>
+                    <p:sldTgt/>
+                  </p:tgtEl>
+                </p:cond>
+              </p:nextCondLst>
+            </p:seq>
+          </p:childTnLst>
+        </p:cTn>
+      </p:par>
+    </p:tnLst>
+    <p:bldLst>
+      <p:bldP spid="3" grpId="0" uiExpand="1" build="p"/>
+      <p:bldP spid="5" grpId="0"/>
+    </p:bldLst>
+  </p:timing>
+</p:sld>
+</file>
+
+<file path=ppt/slides/slide6.xml><?xml version="1.0" encoding="utf-8"?>
 <p:sld xmlns:a="http://schemas.openxmlformats.org/drawingml/2006/main" xmlns:r="http://schemas.openxmlformats.org/officeDocument/2006/relationships" xmlns:p="http://schemas.openxmlformats.org/presentationml/2006/main">
   <p:cSld>
     <p:spTree>
@@ -7353,8 +6827,8 @@
           </a:p>
         </p:txBody>
       </p:sp>
-      <mc:AlternateContent xmlns:mc="http://schemas.openxmlformats.org/markup-compatibility/2006" xmlns:a14="http://schemas.microsoft.com/office/drawing/2010/main">
-        <mc:Choice Requires="a14">
+      <mc:AlternateContent xmlns:mc="http://schemas.openxmlformats.org/markup-compatibility/2006">
+        <mc:Choice xmlns:a14="http://schemas.microsoft.com/office/drawing/2010/main" Requires="a14">
           <p:sp>
             <p:nvSpPr>
               <p:cNvPr id="3" name="Content Placeholder 2"/>
@@ -7428,7 +6902,7 @@
               <a:p>
                 <a:r>
                   <a:rPr lang="en-US" dirty="0"/>
-                  <a:t>Unlike an impulse which occurs over time, the momentum is instantaneous.</a:t>
+                  <a:t>Unlike an impulse which needs to occur over time, the momentum is instantaneous.</a:t>
                 </a:r>
               </a:p>
               <a:p>
@@ -7447,7 +6921,7 @@
             </p:txBody>
           </p:sp>
         </mc:Choice>
-        <mc:Fallback xmlns="">
+        <mc:Fallback>
           <p:sp>
             <p:nvSpPr>
               <p:cNvPr id="3" name="Content Placeholder 2"/>
@@ -7498,7 +6972,7 @@
           <a:p>
             <a:fld id="{929262FE-7F58-4A1E-8AF3-5A510A86DEBD}" type="slidenum">
               <a:rPr lang="en-US" smtClean="0"/>
-              <a:t>5</a:t>
+              <a:t>6</a:t>
             </a:fld>
             <a:endParaRPr lang="en-US"/>
           </a:p>
@@ -7795,7 +7269,7 @@
 </p:sld>
 </file>
 
-<file path=ppt/slides/slide6.xml><?xml version="1.0" encoding="utf-8"?>
+<file path=ppt/slides/slide7.xml><?xml version="1.0" encoding="utf-8"?>
 <p:sld xmlns:a="http://schemas.openxmlformats.org/drawingml/2006/main" xmlns:r="http://schemas.openxmlformats.org/officeDocument/2006/relationships" xmlns:p="http://schemas.openxmlformats.org/presentationml/2006/main">
   <p:cSld>
     <p:spTree>
@@ -8334,7 +7808,7 @@
           <a:p>
             <a:fld id="{929262FE-7F58-4A1E-8AF3-5A510A86DEBD}" type="slidenum">
               <a:rPr lang="en-US" smtClean="0"/>
-              <a:t>6</a:t>
+              <a:t>7</a:t>
             </a:fld>
             <a:endParaRPr lang="en-US"/>
           </a:p>
@@ -8631,741 +8105,6 @@
 </p:sld>
 </file>
 
-<file path=ppt/slides/slide7.xml><?xml version="1.0" encoding="utf-8"?>
-<p:sld xmlns:a="http://schemas.openxmlformats.org/drawingml/2006/main" xmlns:r="http://schemas.openxmlformats.org/officeDocument/2006/relationships" xmlns:p="http://schemas.openxmlformats.org/presentationml/2006/main">
-  <p:cSld>
-    <p:spTree>
-      <p:nvGrpSpPr>
-        <p:cNvPr id="1" name=""/>
-        <p:cNvGrpSpPr/>
-        <p:nvPr/>
-      </p:nvGrpSpPr>
-      <p:grpSpPr>
-        <a:xfrm>
-          <a:off x="0" y="0"/>
-          <a:ext cx="0" cy="0"/>
-          <a:chOff x="0" y="0"/>
-          <a:chExt cx="0" cy="0"/>
-        </a:xfrm>
-      </p:grpSpPr>
-      <p:sp>
-        <p:nvSpPr>
-          <p:cNvPr id="2" name="Title 1">
-            <a:extLst>
-              <a:ext uri="{FF2B5EF4-FFF2-40B4-BE49-F238E27FC236}">
-                <a16:creationId xmlns:a16="http://schemas.microsoft.com/office/drawing/2014/main" id="{61A07C29-9A58-4871-BDC5-A36C637901C2}"/>
-              </a:ext>
-            </a:extLst>
-          </p:cNvPr>
-          <p:cNvSpPr>
-            <a:spLocks noGrp="1"/>
-          </p:cNvSpPr>
-          <p:nvPr>
-            <p:ph type="title"/>
-          </p:nvPr>
-        </p:nvSpPr>
-        <p:spPr/>
-        <p:txBody>
-          <a:bodyPr>
-            <a:normAutofit fontScale="90000"/>
-          </a:bodyPr>
-          <a:lstStyle/>
-          <a:p>
-            <a:r>
-              <a:rPr lang="en-US" dirty="0"/>
-              <a:t>Solving a Work and Energy Problem</a:t>
-            </a:r>
-            <a:br>
-              <a:rPr lang="en-US" dirty="0"/>
-            </a:br>
-            <a:r>
-              <a:rPr lang="en-US" dirty="0"/>
-              <a:t>(The Process)</a:t>
-            </a:r>
-          </a:p>
-        </p:txBody>
-      </p:sp>
-      <mc:AlternateContent xmlns:mc="http://schemas.openxmlformats.org/markup-compatibility/2006" xmlns:a14="http://schemas.microsoft.com/office/drawing/2010/main">
-        <mc:Choice Requires="a14">
-          <p:sp>
-            <p:nvSpPr>
-              <p:cNvPr id="3" name="Content Placeholder 2">
-                <a:extLst>
-                  <a:ext uri="{FF2B5EF4-FFF2-40B4-BE49-F238E27FC236}">
-                    <a16:creationId xmlns:a16="http://schemas.microsoft.com/office/drawing/2014/main" id="{A0280897-CDB5-4D78-9300-B055EC7031D9}"/>
-                  </a:ext>
-                </a:extLst>
-              </p:cNvPr>
-              <p:cNvSpPr>
-                <a:spLocks noGrp="1"/>
-              </p:cNvSpPr>
-              <p:nvPr>
-                <p:ph idx="1"/>
-              </p:nvPr>
-            </p:nvSpPr>
-            <p:spPr>
-              <a:xfrm>
-                <a:off x="457200" y="1600200"/>
-                <a:ext cx="8229600" cy="4648200"/>
-              </a:xfrm>
-            </p:spPr>
-            <p:txBody>
-              <a:bodyPr>
-                <a:normAutofit fontScale="77500" lnSpcReduction="20000"/>
-              </a:bodyPr>
-              <a:lstStyle/>
-              <a:p>
-                <a:r>
-                  <a:rPr lang="en-US" dirty="0"/>
-                  <a:t>Solving impulse momentum involves three steps, carefully accounting for the factors at play between some initial state and some final state.</a:t>
-                </a:r>
-              </a:p>
-              <a:p>
-                <a:pPr marL="514350" indent="-514350">
-                  <a:buFont typeface="+mj-lt"/>
-                  <a:buAutoNum type="arabicPeriod"/>
-                </a:pPr>
-                <a:r>
-                  <a:rPr lang="en-US" dirty="0"/>
-                  <a:t>Set up one diagram showing the initial state and set up some other diagram for the final state.</a:t>
-                </a:r>
-              </a:p>
-              <a:p>
-                <a:pPr marL="914400" lvl="1" indent="-514350"/>
-                <a:r>
-                  <a:rPr lang="en-US" dirty="0"/>
-                  <a:t>Identify any </a:t>
-                </a:r>
-                <a:r>
-                  <a:rPr lang="en-US" dirty="0">
-                    <a:solidFill>
-                      <a:srgbClr val="FF0000"/>
-                    </a:solidFill>
-                  </a:rPr>
-                  <a:t>external</a:t>
-                </a:r>
-                <a:r>
-                  <a:rPr lang="en-US" dirty="0"/>
-                  <a:t> </a:t>
-                </a:r>
-                <a:r>
-                  <a:rPr lang="en-US" dirty="0">
-                    <a:solidFill>
-                      <a:srgbClr val="FF0000"/>
-                    </a:solidFill>
-                  </a:rPr>
-                  <a:t>forces</a:t>
-                </a:r>
-                <a:r>
-                  <a:rPr lang="en-US" dirty="0"/>
-                  <a:t> that will act on the body between the two states</a:t>
-                </a:r>
-              </a:p>
-              <a:p>
-                <a:pPr marL="914400" lvl="1" indent="-514350"/>
-                <a:r>
-                  <a:rPr lang="en-US" dirty="0"/>
-                  <a:t>Identify the known or unknown </a:t>
-                </a:r>
-                <a:r>
-                  <a:rPr lang="en-US" dirty="0">
-                    <a:solidFill>
-                      <a:schemeClr val="accent1"/>
-                    </a:solidFill>
-                  </a:rPr>
-                  <a:t>velocities</a:t>
-                </a:r>
-                <a:r>
-                  <a:rPr lang="en-US" dirty="0"/>
-                  <a:t> in each state</a:t>
-                </a:r>
-              </a:p>
-              <a:p>
-                <a:pPr marL="514350" indent="-514350">
-                  <a:buFont typeface="+mj-lt"/>
-                  <a:buAutoNum type="arabicPeriod"/>
-                </a:pPr>
-                <a:r>
-                  <a:rPr lang="en-US" dirty="0"/>
-                  <a:t>Use the diagram to put together the impulse momentum equation, with included known and unknown values.</a:t>
-                </a:r>
-              </a:p>
-              <a:p>
-                <a:pPr marL="914400" lvl="1" indent="-514350"/>
-                <a14:m>
-                  <m:oMath xmlns:m="http://schemas.openxmlformats.org/officeDocument/2006/math">
-                    <m:acc>
-                      <m:accPr>
-                        <m:chr m:val="⃑"/>
-                        <m:ctrlPr>
-                          <a:rPr lang="en-US" i="1">
-                            <a:latin typeface="Cambria Math" panose="02040503050406030204" pitchFamily="18" charset="0"/>
-                          </a:rPr>
-                        </m:ctrlPr>
-                      </m:accPr>
-                      <m:e>
-                        <m:r>
-                          <m:rPr>
-                            <m:sty m:val="p"/>
-                          </m:rPr>
-                          <a:rPr lang="en-US">
-                            <a:latin typeface="Cambria Math" panose="02040503050406030204" pitchFamily="18" charset="0"/>
-                          </a:rPr>
-                          <m:t>J</m:t>
-                        </m:r>
-                      </m:e>
-                    </m:acc>
-                    <m:r>
-                      <a:rPr lang="en-US" i="1">
-                        <a:latin typeface="Cambria Math"/>
-                      </a:rPr>
-                      <m:t>=</m:t>
-                    </m:r>
-                    <m:r>
-                      <a:rPr lang="en-US" i="1">
-                        <a:latin typeface="Cambria Math"/>
-                      </a:rPr>
-                      <m:t>𝑚</m:t>
-                    </m:r>
-                    <m:acc>
-                      <m:accPr>
-                        <m:chr m:val="⃑"/>
-                        <m:ctrlPr>
-                          <a:rPr lang="en-US" i="1">
-                            <a:latin typeface="Cambria Math" panose="02040503050406030204" pitchFamily="18" charset="0"/>
-                          </a:rPr>
-                        </m:ctrlPr>
-                      </m:accPr>
-                      <m:e>
-                        <m:sSub>
-                          <m:sSubPr>
-                            <m:ctrlPr>
-                              <a:rPr lang="en-US" i="1">
-                                <a:latin typeface="Cambria Math" panose="02040503050406030204" pitchFamily="18" charset="0"/>
-                              </a:rPr>
-                            </m:ctrlPr>
-                          </m:sSubPr>
-                          <m:e>
-                            <m:r>
-                              <m:rPr>
-                                <m:sty m:val="p"/>
-                              </m:rPr>
-                              <a:rPr lang="en-US">
-                                <a:latin typeface="Cambria Math"/>
-                              </a:rPr>
-                              <m:t>v</m:t>
-                            </m:r>
-                          </m:e>
-                          <m:sub>
-                            <m:r>
-                              <m:rPr>
-                                <m:sty m:val="p"/>
-                              </m:rPr>
-                              <a:rPr lang="en-US">
-                                <a:latin typeface="Cambria Math"/>
-                              </a:rPr>
-                              <m:t>f</m:t>
-                            </m:r>
-                          </m:sub>
-                        </m:sSub>
-                      </m:e>
-                    </m:acc>
-                    <m:r>
-                      <a:rPr lang="en-US" i="1">
-                        <a:latin typeface="Cambria Math"/>
-                      </a:rPr>
-                      <m:t>−</m:t>
-                    </m:r>
-                    <m:r>
-                      <a:rPr lang="en-US" i="1">
-                        <a:latin typeface="Cambria Math"/>
-                      </a:rPr>
-                      <m:t>𝑚</m:t>
-                    </m:r>
-                    <m:acc>
-                      <m:accPr>
-                        <m:chr m:val="⃑"/>
-                        <m:ctrlPr>
-                          <a:rPr lang="en-US" i="1">
-                            <a:latin typeface="Cambria Math" panose="02040503050406030204" pitchFamily="18" charset="0"/>
-                          </a:rPr>
-                        </m:ctrlPr>
-                      </m:accPr>
-                      <m:e>
-                        <m:sSub>
-                          <m:sSubPr>
-                            <m:ctrlPr>
-                              <a:rPr lang="en-US" i="1">
-                                <a:latin typeface="Cambria Math" panose="02040503050406030204" pitchFamily="18" charset="0"/>
-                              </a:rPr>
-                            </m:ctrlPr>
-                          </m:sSubPr>
-                          <m:e>
-                            <m:r>
-                              <m:rPr>
-                                <m:sty m:val="p"/>
-                              </m:rPr>
-                              <a:rPr lang="en-US">
-                                <a:latin typeface="Cambria Math"/>
-                              </a:rPr>
-                              <m:t>v</m:t>
-                            </m:r>
-                          </m:e>
-                          <m:sub>
-                            <m:r>
-                              <m:rPr>
-                                <m:sty m:val="p"/>
-                              </m:rPr>
-                              <a:rPr lang="en-US">
-                                <a:latin typeface="Cambria Math" panose="02040503050406030204" pitchFamily="18" charset="0"/>
-                              </a:rPr>
-                              <m:t>i</m:t>
-                            </m:r>
-                          </m:sub>
-                        </m:sSub>
-                      </m:e>
-                    </m:acc>
-                  </m:oMath>
-                </a14:m>
-                <a:endParaRPr lang="en-US" dirty="0"/>
-              </a:p>
-              <a:p>
-                <a:pPr marL="914400" lvl="1" indent="-514350"/>
-                <a:r>
-                  <a:rPr lang="en-US" dirty="0"/>
-                  <a:t>Split this equation into x and y components if appropriate</a:t>
-                </a:r>
-              </a:p>
-              <a:p>
-                <a:pPr marL="514350" indent="-514350">
-                  <a:buFont typeface="+mj-lt"/>
-                  <a:buAutoNum type="arabicPeriod"/>
-                </a:pPr>
-                <a:r>
-                  <a:rPr lang="en-US" dirty="0"/>
-                  <a:t>Solve the equations for the unknown quantities</a:t>
-                </a:r>
-              </a:p>
-              <a:p>
-                <a:pPr marL="514350" indent="-514350">
-                  <a:buFont typeface="+mj-lt"/>
-                  <a:buAutoNum type="arabicPeriod"/>
-                </a:pPr>
-                <a:endParaRPr lang="en-US" dirty="0"/>
-              </a:p>
-            </p:txBody>
-          </p:sp>
-        </mc:Choice>
-        <mc:Fallback xmlns="">
-          <p:sp>
-            <p:nvSpPr>
-              <p:cNvPr id="3" name="Content Placeholder 2">
-                <a:extLst>
-                  <a:ext uri="{FF2B5EF4-FFF2-40B4-BE49-F238E27FC236}">
-                    <a16:creationId xmlns:a16="http://schemas.microsoft.com/office/drawing/2014/main" id="{A0280897-CDB5-4D78-9300-B055EC7031D9}"/>
-                  </a:ext>
-                </a:extLst>
-              </p:cNvPr>
-              <p:cNvSpPr>
-                <a:spLocks noGrp="1" noRot="1" noChangeAspect="1" noMove="1" noResize="1" noEditPoints="1" noAdjustHandles="1" noChangeArrowheads="1" noChangeShapeType="1" noTextEdit="1"/>
-              </p:cNvSpPr>
-              <p:nvPr>
-                <p:ph idx="1"/>
-              </p:nvPr>
-            </p:nvSpPr>
-            <p:spPr>
-              <a:xfrm>
-                <a:off x="457200" y="1600200"/>
-                <a:ext cx="8229600" cy="4648200"/>
-              </a:xfrm>
-              <a:blipFill>
-                <a:blip r:embed="rId2"/>
-                <a:stretch>
-                  <a:fillRect l="-1259" t="-2493"/>
-                </a:stretch>
-              </a:blipFill>
-            </p:spPr>
-            <p:txBody>
-              <a:bodyPr/>
-              <a:lstStyle/>
-              <a:p>
-                <a:r>
-                  <a:rPr lang="en-US">
-                    <a:noFill/>
-                  </a:rPr>
-                  <a:t> </a:t>
-                </a:r>
-              </a:p>
-            </p:txBody>
-          </p:sp>
-        </mc:Fallback>
-      </mc:AlternateContent>
-    </p:spTree>
-    <p:extLst>
-      <p:ext uri="{BB962C8B-B14F-4D97-AF65-F5344CB8AC3E}">
-        <p14:creationId xmlns:p14="http://schemas.microsoft.com/office/powerpoint/2010/main" val="2175471731"/>
-      </p:ext>
-    </p:extLst>
-  </p:cSld>
-  <p:clrMapOvr>
-    <a:masterClrMapping/>
-  </p:clrMapOvr>
-  <p:timing>
-    <p:tnLst>
-      <p:par>
-        <p:cTn id="1" dur="indefinite" restart="never" nodeType="tmRoot">
-          <p:childTnLst>
-            <p:seq concurrent="1" nextAc="seek">
-              <p:cTn id="2" dur="indefinite" nodeType="mainSeq">
-                <p:childTnLst>
-                  <p:par>
-                    <p:cTn id="3" fill="hold">
-                      <p:stCondLst>
-                        <p:cond delay="indefinite"/>
-                      </p:stCondLst>
-                      <p:childTnLst>
-                        <p:par>
-                          <p:cTn id="4" fill="hold">
-                            <p:stCondLst>
-                              <p:cond delay="0"/>
-                            </p:stCondLst>
-                            <p:childTnLst>
-                              <p:par>
-                                <p:cTn id="5" presetID="1" presetClass="entr" presetSubtype="0" fill="hold" grpId="0" nodeType="clickEffect">
-                                  <p:stCondLst>
-                                    <p:cond delay="0"/>
-                                  </p:stCondLst>
-                                  <p:childTnLst>
-                                    <p:set>
-                                      <p:cBhvr>
-                                        <p:cTn id="6" dur="1" fill="hold">
-                                          <p:stCondLst>
-                                            <p:cond delay="0"/>
-                                          </p:stCondLst>
-                                        </p:cTn>
-                                        <p:tgtEl>
-                                          <p:spTgt spid="3">
-                                            <p:txEl>
-                                              <p:pRg st="0" end="0"/>
-                                            </p:txEl>
-                                          </p:spTgt>
-                                        </p:tgtEl>
-                                        <p:attrNameLst>
-                                          <p:attrName>style.visibility</p:attrName>
-                                        </p:attrNameLst>
-                                      </p:cBhvr>
-                                      <p:to>
-                                        <p:strVal val="visible"/>
-                                      </p:to>
-                                    </p:set>
-                                  </p:childTnLst>
-                                </p:cTn>
-                              </p:par>
-                            </p:childTnLst>
-                          </p:cTn>
-                        </p:par>
-                      </p:childTnLst>
-                    </p:cTn>
-                  </p:par>
-                  <p:par>
-                    <p:cTn id="7" fill="hold">
-                      <p:stCondLst>
-                        <p:cond delay="indefinite"/>
-                      </p:stCondLst>
-                      <p:childTnLst>
-                        <p:par>
-                          <p:cTn id="8" fill="hold">
-                            <p:stCondLst>
-                              <p:cond delay="0"/>
-                            </p:stCondLst>
-                            <p:childTnLst>
-                              <p:par>
-                                <p:cTn id="9" presetID="1" presetClass="entr" presetSubtype="0" fill="hold" grpId="0" nodeType="clickEffect">
-                                  <p:stCondLst>
-                                    <p:cond delay="0"/>
-                                  </p:stCondLst>
-                                  <p:childTnLst>
-                                    <p:set>
-                                      <p:cBhvr>
-                                        <p:cTn id="10" dur="1" fill="hold">
-                                          <p:stCondLst>
-                                            <p:cond delay="0"/>
-                                          </p:stCondLst>
-                                        </p:cTn>
-                                        <p:tgtEl>
-                                          <p:spTgt spid="3">
-                                            <p:txEl>
-                                              <p:pRg st="1" end="1"/>
-                                            </p:txEl>
-                                          </p:spTgt>
-                                        </p:tgtEl>
-                                        <p:attrNameLst>
-                                          <p:attrName>style.visibility</p:attrName>
-                                        </p:attrNameLst>
-                                      </p:cBhvr>
-                                      <p:to>
-                                        <p:strVal val="visible"/>
-                                      </p:to>
-                                    </p:set>
-                                  </p:childTnLst>
-                                </p:cTn>
-                              </p:par>
-                              <p:par>
-                                <p:cTn id="11" presetID="1" presetClass="entr" presetSubtype="0" fill="hold" grpId="0" nodeType="withEffect">
-                                  <p:stCondLst>
-                                    <p:cond delay="0"/>
-                                  </p:stCondLst>
-                                  <p:childTnLst>
-                                    <p:set>
-                                      <p:cBhvr>
-                                        <p:cTn id="12" dur="1" fill="hold">
-                                          <p:stCondLst>
-                                            <p:cond delay="0"/>
-                                          </p:stCondLst>
-                                        </p:cTn>
-                                        <p:tgtEl>
-                                          <p:spTgt spid="3">
-                                            <p:txEl>
-                                              <p:pRg st="2" end="2"/>
-                                            </p:txEl>
-                                          </p:spTgt>
-                                        </p:tgtEl>
-                                        <p:attrNameLst>
-                                          <p:attrName>style.visibility</p:attrName>
-                                        </p:attrNameLst>
-                                      </p:cBhvr>
-                                      <p:to>
-                                        <p:strVal val="visible"/>
-                                      </p:to>
-                                    </p:set>
-                                  </p:childTnLst>
-                                </p:cTn>
-                              </p:par>
-                              <p:par>
-                                <p:cTn id="13" presetID="1" presetClass="entr" presetSubtype="0" fill="hold" grpId="0" nodeType="withEffect">
-                                  <p:stCondLst>
-                                    <p:cond delay="0"/>
-                                  </p:stCondLst>
-                                  <p:childTnLst>
-                                    <p:set>
-                                      <p:cBhvr>
-                                        <p:cTn id="14" dur="1" fill="hold">
-                                          <p:stCondLst>
-                                            <p:cond delay="0"/>
-                                          </p:stCondLst>
-                                        </p:cTn>
-                                        <p:tgtEl>
-                                          <p:spTgt spid="3">
-                                            <p:txEl>
-                                              <p:pRg st="3" end="3"/>
-                                            </p:txEl>
-                                          </p:spTgt>
-                                        </p:tgtEl>
-                                        <p:attrNameLst>
-                                          <p:attrName>style.visibility</p:attrName>
-                                        </p:attrNameLst>
-                                      </p:cBhvr>
-                                      <p:to>
-                                        <p:strVal val="visible"/>
-                                      </p:to>
-                                    </p:set>
-                                  </p:childTnLst>
-                                </p:cTn>
-                              </p:par>
-                            </p:childTnLst>
-                          </p:cTn>
-                        </p:par>
-                      </p:childTnLst>
-                    </p:cTn>
-                  </p:par>
-                  <p:par>
-                    <p:cTn id="15" fill="hold">
-                      <p:stCondLst>
-                        <p:cond delay="indefinite"/>
-                      </p:stCondLst>
-                      <p:childTnLst>
-                        <p:par>
-                          <p:cTn id="16" fill="hold">
-                            <p:stCondLst>
-                              <p:cond delay="0"/>
-                            </p:stCondLst>
-                            <p:childTnLst>
-                              <p:par>
-                                <p:cTn id="17" presetID="1" presetClass="entr" presetSubtype="0" fill="hold" grpId="0" nodeType="clickEffect">
-                                  <p:stCondLst>
-                                    <p:cond delay="0"/>
-                                  </p:stCondLst>
-                                  <p:childTnLst>
-                                    <p:set>
-                                      <p:cBhvr>
-                                        <p:cTn id="18" dur="1" fill="hold">
-                                          <p:stCondLst>
-                                            <p:cond delay="0"/>
-                                          </p:stCondLst>
-                                        </p:cTn>
-                                        <p:tgtEl>
-                                          <p:spTgt spid="3">
-                                            <p:txEl>
-                                              <p:pRg st="4" end="4"/>
-                                            </p:txEl>
-                                          </p:spTgt>
-                                        </p:tgtEl>
-                                        <p:attrNameLst>
-                                          <p:attrName>style.visibility</p:attrName>
-                                        </p:attrNameLst>
-                                      </p:cBhvr>
-                                      <p:to>
-                                        <p:strVal val="visible"/>
-                                      </p:to>
-                                    </p:set>
-                                  </p:childTnLst>
-                                </p:cTn>
-                              </p:par>
-                              <p:par>
-                                <p:cTn id="19" presetID="1" presetClass="entr" presetSubtype="0" fill="hold" grpId="0" nodeType="withEffect">
-                                  <p:stCondLst>
-                                    <p:cond delay="0"/>
-                                  </p:stCondLst>
-                                  <p:childTnLst>
-                                    <p:set>
-                                      <p:cBhvr>
-                                        <p:cTn id="20" dur="1" fill="hold">
-                                          <p:stCondLst>
-                                            <p:cond delay="0"/>
-                                          </p:stCondLst>
-                                        </p:cTn>
-                                        <p:tgtEl>
-                                          <p:spTgt spid="3">
-                                            <p:txEl>
-                                              <p:pRg st="5" end="5"/>
-                                            </p:txEl>
-                                          </p:spTgt>
-                                        </p:tgtEl>
-                                        <p:attrNameLst>
-                                          <p:attrName>style.visibility</p:attrName>
-                                        </p:attrNameLst>
-                                      </p:cBhvr>
-                                      <p:to>
-                                        <p:strVal val="visible"/>
-                                      </p:to>
-                                    </p:set>
-                                  </p:childTnLst>
-                                </p:cTn>
-                              </p:par>
-                              <p:par>
-                                <p:cTn id="21" presetID="1" presetClass="entr" presetSubtype="0" fill="hold" grpId="0" nodeType="withEffect">
-                                  <p:stCondLst>
-                                    <p:cond delay="0"/>
-                                  </p:stCondLst>
-                                  <p:childTnLst>
-                                    <p:set>
-                                      <p:cBhvr>
-                                        <p:cTn id="22" dur="1" fill="hold">
-                                          <p:stCondLst>
-                                            <p:cond delay="0"/>
-                                          </p:stCondLst>
-                                        </p:cTn>
-                                        <p:tgtEl>
-                                          <p:spTgt spid="3">
-                                            <p:txEl>
-                                              <p:pRg st="6" end="6"/>
-                                            </p:txEl>
-                                          </p:spTgt>
-                                        </p:tgtEl>
-                                        <p:attrNameLst>
-                                          <p:attrName>style.visibility</p:attrName>
-                                        </p:attrNameLst>
-                                      </p:cBhvr>
-                                      <p:to>
-                                        <p:strVal val="visible"/>
-                                      </p:to>
-                                    </p:set>
-                                  </p:childTnLst>
-                                </p:cTn>
-                              </p:par>
-                            </p:childTnLst>
-                          </p:cTn>
-                        </p:par>
-                      </p:childTnLst>
-                    </p:cTn>
-                  </p:par>
-                  <p:par>
-                    <p:cTn id="23" fill="hold">
-                      <p:stCondLst>
-                        <p:cond delay="indefinite"/>
-                      </p:stCondLst>
-                      <p:childTnLst>
-                        <p:par>
-                          <p:cTn id="24" fill="hold">
-                            <p:stCondLst>
-                              <p:cond delay="0"/>
-                            </p:stCondLst>
-                            <p:childTnLst>
-                              <p:par>
-                                <p:cTn id="25" presetID="1" presetClass="entr" presetSubtype="0" fill="hold" grpId="0" nodeType="clickEffect">
-                                  <p:stCondLst>
-                                    <p:cond delay="0"/>
-                                  </p:stCondLst>
-                                  <p:childTnLst>
-                                    <p:set>
-                                      <p:cBhvr>
-                                        <p:cTn id="26" dur="1" fill="hold">
-                                          <p:stCondLst>
-                                            <p:cond delay="0"/>
-                                          </p:stCondLst>
-                                        </p:cTn>
-                                        <p:tgtEl>
-                                          <p:spTgt spid="3">
-                                            <p:txEl>
-                                              <p:pRg st="7" end="7"/>
-                                            </p:txEl>
-                                          </p:spTgt>
-                                        </p:tgtEl>
-                                        <p:attrNameLst>
-                                          <p:attrName>style.visibility</p:attrName>
-                                        </p:attrNameLst>
-                                      </p:cBhvr>
-                                      <p:to>
-                                        <p:strVal val="visible"/>
-                                      </p:to>
-                                    </p:set>
-                                  </p:childTnLst>
-                                </p:cTn>
-                              </p:par>
-                            </p:childTnLst>
-                          </p:cTn>
-                        </p:par>
-                      </p:childTnLst>
-                    </p:cTn>
-                  </p:par>
-                </p:childTnLst>
-              </p:cTn>
-              <p:prevCondLst>
-                <p:cond evt="onPrev" delay="0">
-                  <p:tgtEl>
-                    <p:sldTgt/>
-                  </p:tgtEl>
-                </p:cond>
-              </p:prevCondLst>
-              <p:nextCondLst>
-                <p:cond evt="onNext" delay="0">
-                  <p:tgtEl>
-                    <p:sldTgt/>
-                  </p:tgtEl>
-                </p:cond>
-              </p:nextCondLst>
-            </p:seq>
-          </p:childTnLst>
-        </p:cTn>
-      </p:par>
-    </p:tnLst>
-    <p:bldLst>
-      <p:bldP spid="3" grpId="0" build="p"/>
-    </p:bldLst>
-  </p:timing>
-</p:sld>
-</file>
-
 <file path=ppt/slides/slide8.xml><?xml version="1.0" encoding="utf-8"?>
 <p:sld xmlns:a="http://schemas.openxmlformats.org/drawingml/2006/main" xmlns:r="http://schemas.openxmlformats.org/officeDocument/2006/relationships" xmlns:p="http://schemas.openxmlformats.org/presentationml/2006/main">
   <p:cSld>
@@ -9431,173 +8170,6 @@
     <p:extLst>
       <p:ext uri="{BB962C8B-B14F-4D97-AF65-F5344CB8AC3E}">
         <p14:creationId xmlns:p14="http://schemas.microsoft.com/office/powerpoint/2010/main" val="3129637585"/>
-      </p:ext>
-    </p:extLst>
-  </p:cSld>
-  <p:clrMapOvr>
-    <a:masterClrMapping/>
-  </p:clrMapOvr>
-</p:sld>
-</file>
-
-<file path=ppt/slides/slide9.xml><?xml version="1.0" encoding="utf-8"?>
-<p:sld xmlns:a="http://schemas.openxmlformats.org/drawingml/2006/main" xmlns:r="http://schemas.openxmlformats.org/officeDocument/2006/relationships" xmlns:p="http://schemas.openxmlformats.org/presentationml/2006/main">
-  <p:cSld>
-    <p:spTree>
-      <p:nvGrpSpPr>
-        <p:cNvPr id="1" name=""/>
-        <p:cNvGrpSpPr/>
-        <p:nvPr/>
-      </p:nvGrpSpPr>
-      <p:grpSpPr>
-        <a:xfrm>
-          <a:off x="0" y="0"/>
-          <a:ext cx="0" cy="0"/>
-          <a:chOff x="0" y="0"/>
-          <a:chExt cx="0" cy="0"/>
-        </a:xfrm>
-      </p:grpSpPr>
-      <p:sp>
-        <p:nvSpPr>
-          <p:cNvPr id="2" name="Title 1"/>
-          <p:cNvSpPr>
-            <a:spLocks noGrp="1"/>
-          </p:cNvSpPr>
-          <p:nvPr>
-            <p:ph type="title"/>
-          </p:nvPr>
-        </p:nvSpPr>
-        <p:spPr/>
-        <p:txBody>
-          <a:bodyPr>
-            <a:normAutofit/>
-          </a:bodyPr>
-          <a:lstStyle/>
-          <a:p>
-            <a:r>
-              <a:rPr lang="en-US" dirty="0"/>
-              <a:t>Worked Example</a:t>
-            </a:r>
-          </a:p>
-        </p:txBody>
-      </p:sp>
-      <p:sp>
-        <p:nvSpPr>
-          <p:cNvPr id="3" name="Content Placeholder 2"/>
-          <p:cNvSpPr>
-            <a:spLocks noGrp="1"/>
-          </p:cNvSpPr>
-          <p:nvPr>
-            <p:ph idx="1"/>
-          </p:nvPr>
-        </p:nvSpPr>
-        <p:spPr>
-          <a:xfrm>
-            <a:off x="457200" y="1600200"/>
-            <a:ext cx="4953000" cy="4648199"/>
-          </a:xfrm>
-        </p:spPr>
-        <p:txBody>
-          <a:bodyPr>
-            <a:normAutofit fontScale="92500" lnSpcReduction="10000"/>
-          </a:bodyPr>
-          <a:lstStyle/>
-          <a:p>
-            <a:r>
-              <a:rPr lang="en-US" dirty="0"/>
-              <a:t>A tennis ball (.06 kg) is served to tennis player at a speed of 10 m/s.  The player then returns the ball at a speed of 36 m/s.</a:t>
-            </a:r>
-          </a:p>
-          <a:p>
-            <a:pPr lvl="1"/>
-            <a:r>
-              <a:rPr lang="en-US" dirty="0"/>
-              <a:t>What is the change in momentum for the ball?</a:t>
-            </a:r>
-          </a:p>
-          <a:p>
-            <a:pPr lvl="1"/>
-            <a:r>
-              <a:rPr lang="en-US" dirty="0"/>
-              <a:t>If a high speed camera reveals the impact lasted .02 seconds, what is the average force exerted on the ball?</a:t>
-            </a:r>
-          </a:p>
-        </p:txBody>
-      </p:sp>
-      <p:sp>
-        <p:nvSpPr>
-          <p:cNvPr id="4" name="Slide Number Placeholder 3"/>
-          <p:cNvSpPr>
-            <a:spLocks noGrp="1"/>
-          </p:cNvSpPr>
-          <p:nvPr>
-            <p:ph type="sldNum" sz="quarter" idx="12"/>
-          </p:nvPr>
-        </p:nvSpPr>
-        <p:spPr/>
-        <p:txBody>
-          <a:bodyPr/>
-          <a:lstStyle/>
-          <a:p>
-            <a:fld id="{929262FE-7F58-4A1E-8AF3-5A510A86DEBD}" type="slidenum">
-              <a:rPr lang="en-US" smtClean="0"/>
-              <a:t>9</a:t>
-            </a:fld>
-            <a:endParaRPr lang="en-US"/>
-          </a:p>
-        </p:txBody>
-      </p:sp>
-      <p:pic>
-        <p:nvPicPr>
-          <p:cNvPr id="5" name="Picture 2" descr="Tennis, Player, Game, Racket, Court, Play, Ball, Sport">
-            <a:extLst>
-              <a:ext uri="{FF2B5EF4-FFF2-40B4-BE49-F238E27FC236}">
-                <a16:creationId xmlns:a16="http://schemas.microsoft.com/office/drawing/2014/main" id="{9CE6935C-81CC-403F-9ED0-DACBFCD8C59B}"/>
-              </a:ext>
-            </a:extLst>
-          </p:cNvPr>
-          <p:cNvPicPr>
-            <a:picLocks noChangeAspect="1" noChangeArrowheads="1"/>
-          </p:cNvPicPr>
-          <p:nvPr/>
-        </p:nvPicPr>
-        <p:blipFill>
-          <a:blip r:embed="rId2">
-            <a:extLst>
-              <a:ext uri="{28A0092B-C50C-407E-A947-70E740481C1C}">
-                <a14:useLocalDpi xmlns:a14="http://schemas.microsoft.com/office/drawing/2010/main" val="0"/>
-              </a:ext>
-            </a:extLst>
-          </a:blip>
-          <a:srcRect/>
-          <a:stretch>
-            <a:fillRect/>
-          </a:stretch>
-        </p:blipFill>
-        <p:spPr bwMode="auto">
-          <a:xfrm>
-            <a:off x="5867400" y="1862613"/>
-            <a:ext cx="2654188" cy="4048761"/>
-          </a:xfrm>
-          <a:prstGeom prst="rect">
-            <a:avLst/>
-          </a:prstGeom>
-          <a:noFill/>
-          <a:extLst>
-            <a:ext uri="{909E8E84-426E-40DD-AFC4-6F175D3DCCD1}">
-              <a14:hiddenFill xmlns:a14="http://schemas.microsoft.com/office/drawing/2010/main">
-                <a:solidFill>
-                  <a:srgbClr val="FFFFFF"/>
-                </a:solidFill>
-              </a14:hiddenFill>
-            </a:ext>
-          </a:extLst>
-        </p:spPr>
-      </p:pic>
-    </p:spTree>
-    <p:extLst>
-      <p:ext uri="{BB962C8B-B14F-4D97-AF65-F5344CB8AC3E}">
-        <p14:creationId xmlns:p14="http://schemas.microsoft.com/office/powerpoint/2010/main" val="3542628208"/>
       </p:ext>
     </p:extLst>
   </p:cSld>
@@ -10178,21 +8750,6 @@
 </file>
 
 <file path=customXml/item1.xml><?xml version="1.0" encoding="utf-8"?>
-<?mso-contentType ?>
-<FormTemplates xmlns="http://schemas.microsoft.com/sharepoint/v3/contenttype/forms">
-  <Display>DocumentLibraryForm</Display>
-  <Edit>DocumentLibraryForm</Edit>
-  <New>DocumentLibraryForm</New>
-</FormTemplates>
-</file>
-
-<file path=customXml/item2.xml><?xml version="1.0" encoding="utf-8"?>
-<p:properties xmlns:p="http://schemas.microsoft.com/office/2006/metadata/properties" xmlns:xsi="http://www.w3.org/2001/XMLSchema-instance" xmlns:pc="http://schemas.microsoft.com/office/infopath/2007/PartnerControls">
-  <documentManagement/>
-</p:properties>
-</file>
-
-<file path=customXml/item3.xml><?xml version="1.0" encoding="utf-8"?>
 <ct:contentTypeSchema xmlns:ct="http://schemas.microsoft.com/office/2006/metadata/contentType" xmlns:ma="http://schemas.microsoft.com/office/2006/metadata/properties/metaAttributes" ct:_="" ma:_="" ma:contentTypeName="Document" ma:contentTypeID="0x010100A06DF21F5BB2734A800ED30F3F452129" ma:contentTypeVersion="12" ma:contentTypeDescription="Create a new document." ma:contentTypeScope="" ma:versionID="544d96a5fbac5de9d5d902b535c73fb2">
   <xsd:schema xmlns:xsd="http://www.w3.org/2001/XMLSchema" xmlns:xs="http://www.w3.org/2001/XMLSchema" xmlns:p="http://schemas.microsoft.com/office/2006/metadata/properties" xmlns:ns3="90d05cb5-950f-4f68-bc2c-e17794455b92" xmlns:ns4="b4eab9fa-dbb0-4082-8491-8bd54207a265" targetNamespace="http://schemas.microsoft.com/office/2006/metadata/properties" ma:root="true" ma:fieldsID="7a710efc71c2169bf9c05e5a40dddf12" ns3:_="" ns4:_="">
     <xsd:import namespace="90d05cb5-950f-4f68-bc2c-e17794455b92"/>
@@ -10409,24 +8966,22 @@
 </ct:contentTypeSchema>
 </file>
 
-<file path=customXml/itemProps1.xml><?xml version="1.0" encoding="utf-8"?>
-<ds:datastoreItem xmlns:ds="http://schemas.openxmlformats.org/officeDocument/2006/customXml" ds:itemID="{F5CF5F32-56DC-4068-8B04-457CF34A96F3}">
-  <ds:schemaRefs>
-    <ds:schemaRef ds:uri="http://schemas.microsoft.com/sharepoint/v3/contenttype/forms"/>
-  </ds:schemaRefs>
-</ds:datastoreItem>
+<file path=customXml/item2.xml><?xml version="1.0" encoding="utf-8"?>
+<p:properties xmlns:p="http://schemas.microsoft.com/office/2006/metadata/properties" xmlns:xsi="http://www.w3.org/2001/XMLSchema-instance" xmlns:pc="http://schemas.microsoft.com/office/infopath/2007/PartnerControls">
+  <documentManagement/>
+</p:properties>
 </file>
 
-<file path=customXml/itemProps2.xml><?xml version="1.0" encoding="utf-8"?>
-<ds:datastoreItem xmlns:ds="http://schemas.openxmlformats.org/officeDocument/2006/customXml" ds:itemID="{52EB1464-66D1-425A-BBB5-7A9312BBE9C4}">
-  <ds:schemaRefs>
-    <ds:schemaRef ds:uri="http://schemas.microsoft.com/office/2006/metadata/properties"/>
-    <ds:schemaRef ds:uri="http://schemas.microsoft.com/office/infopath/2007/PartnerControls"/>
-  </ds:schemaRefs>
-</ds:datastoreItem>
+<file path=customXml/item3.xml><?xml version="1.0" encoding="utf-8"?>
+<?mso-contentType ?>
+<FormTemplates xmlns="http://schemas.microsoft.com/sharepoint/v3/contenttype/forms">
+  <Display>DocumentLibraryForm</Display>
+  <Edit>DocumentLibraryForm</Edit>
+  <New>DocumentLibraryForm</New>
+</FormTemplates>
 </file>
 
-<file path=customXml/itemProps3.xml><?xml version="1.0" encoding="utf-8"?>
+<file path=customXml/itemProps1.xml><?xml version="1.0" encoding="utf-8"?>
 <ds:datastoreItem xmlns:ds="http://schemas.openxmlformats.org/officeDocument/2006/customXml" ds:itemID="{A43B8A4B-79FE-4529-931C-D64224FA70E3}">
   <ds:schemaRefs>
     <ds:schemaRef ds:uri="http://schemas.microsoft.com/office/2006/metadata/contentType"/>
@@ -10443,4 +8998,21 @@
     <ds:schemaRef ds:uri="http://schemas.microsoft.com/internal/obd"/>
   </ds:schemaRefs>
 </ds:datastoreItem>
+</file>
+
+<file path=customXml/itemProps2.xml><?xml version="1.0" encoding="utf-8"?>
+<ds:datastoreItem xmlns:ds="http://schemas.openxmlformats.org/officeDocument/2006/customXml" ds:itemID="{52EB1464-66D1-425A-BBB5-7A9312BBE9C4}">
+  <ds:schemaRefs>
+    <ds:schemaRef ds:uri="http://schemas.microsoft.com/office/2006/metadata/properties"/>
+    <ds:schemaRef ds:uri="http://schemas.microsoft.com/office/infopath/2007/PartnerControls"/>
+  </ds:schemaRefs>
+</ds:datastoreItem>
+</file>
+
+<file path=customXml/itemProps3.xml><?xml version="1.0" encoding="utf-8"?>
+<ds:datastoreItem xmlns:ds="http://schemas.openxmlformats.org/officeDocument/2006/customXml" ds:itemID="{F5CF5F32-56DC-4068-8B04-457CF34A96F3}">
+  <ds:schemaRefs>
+    <ds:schemaRef ds:uri="http://schemas.microsoft.com/sharepoint/v3/contenttype/forms"/>
+  </ds:schemaRefs>
+</ds:datastoreItem>
 </file>